--- a/NET Crypto.pptx
+++ b/NET Crypto.pptx
@@ -1468,28 +1468,28 @@
     </dgm:pt>
   </dgm:ptLst>
   <dgm:cxnLst>
+    <dgm:cxn modelId="{EE7E043B-8738-4FB3-8BFE-134973EA0BFD}" type="presOf" srcId="{9C22B7D4-84AE-47DE-AE2F-2200F43C00D9}" destId="{3FFE6375-4868-4268-96DC-AB3B07307017}" srcOrd="0" destOrd="0" presId="urn:microsoft.com/office/officeart/2005/8/layout/orgChart1"/>
     <dgm:cxn modelId="{FED7674B-F09A-404C-8002-FE0861516463}" type="presOf" srcId="{58A6C95A-CB49-4695-9B2C-96592D6AC786}" destId="{E75520EE-6BC4-40B2-851A-7CB7B23F3462}" srcOrd="1" destOrd="0" presId="urn:microsoft.com/office/officeart/2005/8/layout/orgChart1"/>
+    <dgm:cxn modelId="{68F0E8F8-FF03-44DF-A581-A54FE5D84118}" type="presOf" srcId="{1FEE528F-E932-486F-91FA-20438E0A32A4}" destId="{D954F560-FB70-444E-A89C-45BB00CC5798}" srcOrd="1" destOrd="0" presId="urn:microsoft.com/office/officeart/2005/8/layout/orgChart1"/>
+    <dgm:cxn modelId="{1AA57BB1-7F61-4D4F-948F-06221F1F69D5}" type="presOf" srcId="{30C3C7BF-DD4E-4CB5-AECB-94BAAF6ABDCD}" destId="{26ACA8DB-E429-4086-B2B0-4F467A626D5A}" srcOrd="0" destOrd="0" presId="urn:microsoft.com/office/officeart/2005/8/layout/orgChart1"/>
+    <dgm:cxn modelId="{76DAA4A2-00D3-4F18-A546-DCCDF0E35E69}" type="presOf" srcId="{1881308D-1ACE-4C62-9C26-0458A97434BF}" destId="{84B6CFD7-17E2-4E86-9BF1-F72929F33F87}" srcOrd="1" destOrd="0" presId="urn:microsoft.com/office/officeart/2005/8/layout/orgChart1"/>
+    <dgm:cxn modelId="{0A5025EB-977B-4255-AFB5-6E6707A7C5A4}" srcId="{2C89CDBB-4BA0-4249-AA15-78960B4A3FD3}" destId="{1FEE528F-E932-486F-91FA-20438E0A32A4}" srcOrd="2" destOrd="0" parTransId="{0AFC426B-B02C-41C5-822D-88AFD6B40034}" sibTransId="{919BDA18-18FA-481C-8660-FCC36837FE20}"/>
+    <dgm:cxn modelId="{B5B62D68-1B8D-4068-BD7E-A5AE14040BE2}" srcId="{2C89CDBB-4BA0-4249-AA15-78960B4A3FD3}" destId="{43A2463E-C596-432B-8B47-3C128835C5FD}" srcOrd="1" destOrd="0" parTransId="{BE314552-BA80-4027-8C5E-DF8E64F76792}" sibTransId="{C71EAB6A-64F2-49D9-83C0-4C027B4BC0A8}"/>
+    <dgm:cxn modelId="{8EF8862D-8D9E-4491-B132-D6FD1E605621}" type="presOf" srcId="{0FFD0232-2994-4450-B1EF-17506E9F0383}" destId="{C0FEF6BD-7C4A-4239-8370-B270404C9F21}" srcOrd="1" destOrd="0" presId="urn:microsoft.com/office/officeart/2005/8/layout/orgChart1"/>
+    <dgm:cxn modelId="{F19C298D-DFEB-4381-AA27-4B35B4C06160}" srcId="{1FEE528F-E932-486F-91FA-20438E0A32A4}" destId="{0FFD0232-2994-4450-B1EF-17506E9F0383}" srcOrd="0" destOrd="0" parTransId="{30C3C7BF-DD4E-4CB5-AECB-94BAAF6ABDCD}" sibTransId="{5CDADA4A-E615-4F9B-B5F1-24095EA606FA}"/>
+    <dgm:cxn modelId="{D2A990F1-6A92-4ADA-9593-3AF58DDABC4B}" srcId="{2C89CDBB-4BA0-4249-AA15-78960B4A3FD3}" destId="{4BB70C85-68C3-4319-891B-48B51C633CBA}" srcOrd="0" destOrd="0" parTransId="{162E06B9-A47C-40FC-BB10-A570DB4B8DB6}" sibTransId="{2589E14B-E7C1-4BA6-82C7-D60FAB97FA69}"/>
+    <dgm:cxn modelId="{03D17485-F825-41F7-9B16-233D3B82A367}" srcId="{4BB70C85-68C3-4319-891B-48B51C633CBA}" destId="{58A6C95A-CB49-4695-9B2C-96592D6AC786}" srcOrd="0" destOrd="0" parTransId="{2499C913-CB8D-4E54-A59B-0141DCB034C2}" sibTransId="{F5D93F75-7474-4DE3-9473-7791444D23B5}"/>
+    <dgm:cxn modelId="{AE4953D4-D23B-4ED1-B744-79DC466B85B7}" type="presOf" srcId="{43A2463E-C596-432B-8B47-3C128835C5FD}" destId="{0323B3AF-D58A-40FB-9D47-8E5D2794F014}" srcOrd="1" destOrd="0" presId="urn:microsoft.com/office/officeart/2005/8/layout/orgChart1"/>
     <dgm:cxn modelId="{96A915DC-928A-4C83-9069-D2AD457228A0}" type="presOf" srcId="{4BB70C85-68C3-4319-891B-48B51C633CBA}" destId="{FFCFE7EF-C40D-49AC-A573-7AEE4E66E944}" srcOrd="1" destOrd="0" presId="urn:microsoft.com/office/officeart/2005/8/layout/orgChart1"/>
-    <dgm:cxn modelId="{EE7E043B-8738-4FB3-8BFE-134973EA0BFD}" type="presOf" srcId="{9C22B7D4-84AE-47DE-AE2F-2200F43C00D9}" destId="{3FFE6375-4868-4268-96DC-AB3B07307017}" srcOrd="0" destOrd="0" presId="urn:microsoft.com/office/officeart/2005/8/layout/orgChart1"/>
+    <dgm:cxn modelId="{AEEF0F0E-A23F-46DA-A12A-5DE13FD33896}" type="presOf" srcId="{4BB70C85-68C3-4319-891B-48B51C633CBA}" destId="{86D5D0A1-A9DE-460E-9116-A2C68344C3B2}" srcOrd="0" destOrd="0" presId="urn:microsoft.com/office/officeart/2005/8/layout/orgChart1"/>
+    <dgm:cxn modelId="{99B43804-5341-4C6C-BBF3-FF3DA57A6B21}" type="presOf" srcId="{2499C913-CB8D-4E54-A59B-0141DCB034C2}" destId="{927EF321-7315-4562-9827-05094EA4D304}" srcOrd="0" destOrd="0" presId="urn:microsoft.com/office/officeart/2005/8/layout/orgChart1"/>
+    <dgm:cxn modelId="{063495E6-772D-4ED0-B063-FDB29CB79374}" srcId="{43A2463E-C596-432B-8B47-3C128835C5FD}" destId="{1881308D-1ACE-4C62-9C26-0458A97434BF}" srcOrd="0" destOrd="0" parTransId="{9C22B7D4-84AE-47DE-AE2F-2200F43C00D9}" sibTransId="{62993F01-F605-4620-B926-6BFDF9C348CB}"/>
+    <dgm:cxn modelId="{7C91D8AA-0F22-4F2C-8D8A-7F009A5B0039}" type="presOf" srcId="{0FFD0232-2994-4450-B1EF-17506E9F0383}" destId="{E1FE96F2-301F-462D-897A-AFA80B54E483}" srcOrd="0" destOrd="0" presId="urn:microsoft.com/office/officeart/2005/8/layout/orgChart1"/>
     <dgm:cxn modelId="{DED4EC1D-796A-4847-9CB3-B9CC5332D678}" type="presOf" srcId="{1881308D-1ACE-4C62-9C26-0458A97434BF}" destId="{C6E4D653-348D-4FF9-98D2-91F5A775AAB7}" srcOrd="0" destOrd="0" presId="urn:microsoft.com/office/officeart/2005/8/layout/orgChart1"/>
     <dgm:cxn modelId="{9DBDFCCC-4EC7-4BB5-94F7-192538B9D6CE}" type="presOf" srcId="{58A6C95A-CB49-4695-9B2C-96592D6AC786}" destId="{A2123DE7-2787-452D-9050-DD9F2A8898F9}" srcOrd="0" destOrd="0" presId="urn:microsoft.com/office/officeart/2005/8/layout/orgChart1"/>
-    <dgm:cxn modelId="{D2A990F1-6A92-4ADA-9593-3AF58DDABC4B}" srcId="{2C89CDBB-4BA0-4249-AA15-78960B4A3FD3}" destId="{4BB70C85-68C3-4319-891B-48B51C633CBA}" srcOrd="0" destOrd="0" parTransId="{162E06B9-A47C-40FC-BB10-A570DB4B8DB6}" sibTransId="{2589E14B-E7C1-4BA6-82C7-D60FAB97FA69}"/>
-    <dgm:cxn modelId="{F19C298D-DFEB-4381-AA27-4B35B4C06160}" srcId="{1FEE528F-E932-486F-91FA-20438E0A32A4}" destId="{0FFD0232-2994-4450-B1EF-17506E9F0383}" srcOrd="0" destOrd="0" parTransId="{30C3C7BF-DD4E-4CB5-AECB-94BAAF6ABDCD}" sibTransId="{5CDADA4A-E615-4F9B-B5F1-24095EA606FA}"/>
-    <dgm:cxn modelId="{76DAA4A2-00D3-4F18-A546-DCCDF0E35E69}" type="presOf" srcId="{1881308D-1ACE-4C62-9C26-0458A97434BF}" destId="{84B6CFD7-17E2-4E86-9BF1-F72929F33F87}" srcOrd="1" destOrd="0" presId="urn:microsoft.com/office/officeart/2005/8/layout/orgChart1"/>
-    <dgm:cxn modelId="{063495E6-772D-4ED0-B063-FDB29CB79374}" srcId="{43A2463E-C596-432B-8B47-3C128835C5FD}" destId="{1881308D-1ACE-4C62-9C26-0458A97434BF}" srcOrd="0" destOrd="0" parTransId="{9C22B7D4-84AE-47DE-AE2F-2200F43C00D9}" sibTransId="{62993F01-F605-4620-B926-6BFDF9C348CB}"/>
+    <dgm:cxn modelId="{6CC0C4C1-070E-466E-871A-BD002CBAD6DC}" type="presOf" srcId="{43A2463E-C596-432B-8B47-3C128835C5FD}" destId="{72D8193F-C195-4D97-8271-3FD6FB52754F}" srcOrd="0" destOrd="0" presId="urn:microsoft.com/office/officeart/2005/8/layout/orgChart1"/>
     <dgm:cxn modelId="{DEC494BC-BFAD-4BCA-97B7-878DF4FD5F70}" type="presOf" srcId="{2C89CDBB-4BA0-4249-AA15-78960B4A3FD3}" destId="{41A23DED-D4F9-42E5-9AE2-65ED42C0445F}" srcOrd="0" destOrd="0" presId="urn:microsoft.com/office/officeart/2005/8/layout/orgChart1"/>
-    <dgm:cxn modelId="{99B43804-5341-4C6C-BBF3-FF3DA57A6B21}" type="presOf" srcId="{2499C913-CB8D-4E54-A59B-0141DCB034C2}" destId="{927EF321-7315-4562-9827-05094EA4D304}" srcOrd="0" destOrd="0" presId="urn:microsoft.com/office/officeart/2005/8/layout/orgChart1"/>
-    <dgm:cxn modelId="{6CC0C4C1-070E-466E-871A-BD002CBAD6DC}" type="presOf" srcId="{43A2463E-C596-432B-8B47-3C128835C5FD}" destId="{72D8193F-C195-4D97-8271-3FD6FB52754F}" srcOrd="0" destOrd="0" presId="urn:microsoft.com/office/officeart/2005/8/layout/orgChart1"/>
     <dgm:cxn modelId="{C42C6771-F84B-4D2B-A75C-60D8ECEB1578}" type="presOf" srcId="{1FEE528F-E932-486F-91FA-20438E0A32A4}" destId="{3EB73D6F-CF14-4B90-8C44-F89D95EE9917}" srcOrd="0" destOrd="0" presId="urn:microsoft.com/office/officeart/2005/8/layout/orgChart1"/>
-    <dgm:cxn modelId="{B5B62D68-1B8D-4068-BD7E-A5AE14040BE2}" srcId="{2C89CDBB-4BA0-4249-AA15-78960B4A3FD3}" destId="{43A2463E-C596-432B-8B47-3C128835C5FD}" srcOrd="1" destOrd="0" parTransId="{BE314552-BA80-4027-8C5E-DF8E64F76792}" sibTransId="{C71EAB6A-64F2-49D9-83C0-4C027B4BC0A8}"/>
-    <dgm:cxn modelId="{03D17485-F825-41F7-9B16-233D3B82A367}" srcId="{4BB70C85-68C3-4319-891B-48B51C633CBA}" destId="{58A6C95A-CB49-4695-9B2C-96592D6AC786}" srcOrd="0" destOrd="0" parTransId="{2499C913-CB8D-4E54-A59B-0141DCB034C2}" sibTransId="{F5D93F75-7474-4DE3-9473-7791444D23B5}"/>
-    <dgm:cxn modelId="{AE4953D4-D23B-4ED1-B744-79DC466B85B7}" type="presOf" srcId="{43A2463E-C596-432B-8B47-3C128835C5FD}" destId="{0323B3AF-D58A-40FB-9D47-8E5D2794F014}" srcOrd="1" destOrd="0" presId="urn:microsoft.com/office/officeart/2005/8/layout/orgChart1"/>
-    <dgm:cxn modelId="{0A5025EB-977B-4255-AFB5-6E6707A7C5A4}" srcId="{2C89CDBB-4BA0-4249-AA15-78960B4A3FD3}" destId="{1FEE528F-E932-486F-91FA-20438E0A32A4}" srcOrd="2" destOrd="0" parTransId="{0AFC426B-B02C-41C5-822D-88AFD6B40034}" sibTransId="{919BDA18-18FA-481C-8660-FCC36837FE20}"/>
-    <dgm:cxn modelId="{AEEF0F0E-A23F-46DA-A12A-5DE13FD33896}" type="presOf" srcId="{4BB70C85-68C3-4319-891B-48B51C633CBA}" destId="{86D5D0A1-A9DE-460E-9116-A2C68344C3B2}" srcOrd="0" destOrd="0" presId="urn:microsoft.com/office/officeart/2005/8/layout/orgChart1"/>
-    <dgm:cxn modelId="{68F0E8F8-FF03-44DF-A581-A54FE5D84118}" type="presOf" srcId="{1FEE528F-E932-486F-91FA-20438E0A32A4}" destId="{D954F560-FB70-444E-A89C-45BB00CC5798}" srcOrd="1" destOrd="0" presId="urn:microsoft.com/office/officeart/2005/8/layout/orgChart1"/>
-    <dgm:cxn modelId="{1AA57BB1-7F61-4D4F-948F-06221F1F69D5}" type="presOf" srcId="{30C3C7BF-DD4E-4CB5-AECB-94BAAF6ABDCD}" destId="{26ACA8DB-E429-4086-B2B0-4F467A626D5A}" srcOrd="0" destOrd="0" presId="urn:microsoft.com/office/officeart/2005/8/layout/orgChart1"/>
-    <dgm:cxn modelId="{7C91D8AA-0F22-4F2C-8D8A-7F009A5B0039}" type="presOf" srcId="{0FFD0232-2994-4450-B1EF-17506E9F0383}" destId="{E1FE96F2-301F-462D-897A-AFA80B54E483}" srcOrd="0" destOrd="0" presId="urn:microsoft.com/office/officeart/2005/8/layout/orgChart1"/>
-    <dgm:cxn modelId="{8EF8862D-8D9E-4491-B132-D6FD1E605621}" type="presOf" srcId="{0FFD0232-2994-4450-B1EF-17506E9F0383}" destId="{C0FEF6BD-7C4A-4239-8370-B270404C9F21}" srcOrd="1" destOrd="0" presId="urn:microsoft.com/office/officeart/2005/8/layout/orgChart1"/>
     <dgm:cxn modelId="{170A96CD-6888-4594-BC20-743C36435F85}" type="presParOf" srcId="{41A23DED-D4F9-42E5-9AE2-65ED42C0445F}" destId="{5F02F0AF-0363-47B4-AB16-52769335F70F}" srcOrd="0" destOrd="0" presId="urn:microsoft.com/office/officeart/2005/8/layout/orgChart1"/>
     <dgm:cxn modelId="{1EE3E934-30BB-42F0-9FB7-D1E7484F0652}" type="presParOf" srcId="{5F02F0AF-0363-47B4-AB16-52769335F70F}" destId="{3743D282-D8C6-4065-85D6-E9654C05E86D}" srcOrd="0" destOrd="0" presId="urn:microsoft.com/office/officeart/2005/8/layout/orgChart1"/>
     <dgm:cxn modelId="{C42DEC2A-3A96-40FC-92A2-89695DF0E6B6}" type="presParOf" srcId="{3743D282-D8C6-4065-85D6-E9654C05E86D}" destId="{86D5D0A1-A9DE-460E-9116-A2C68344C3B2}" srcOrd="0" destOrd="0" presId="urn:microsoft.com/office/officeart/2005/8/layout/orgChart1"/>
@@ -4533,7 +4533,7 @@
           <a:p>
             <a:fld id="{334B1B8A-5464-4087-BA72-9BF624DAFB52}" type="datetimeFigureOut">
               <a:rPr lang="de-DE" smtClean="0"/>
-              <a:t>27.01.2016</a:t>
+              <a:t>28.01.2016</a:t>
             </a:fld>
             <a:endParaRPr lang="de-DE"/>
           </a:p>
@@ -4703,7 +4703,7 @@
           <a:p>
             <a:fld id="{334B1B8A-5464-4087-BA72-9BF624DAFB52}" type="datetimeFigureOut">
               <a:rPr lang="de-DE" smtClean="0"/>
-              <a:t>27.01.2016</a:t>
+              <a:t>28.01.2016</a:t>
             </a:fld>
             <a:endParaRPr lang="de-DE"/>
           </a:p>
@@ -4883,7 +4883,7 @@
           <a:p>
             <a:fld id="{334B1B8A-5464-4087-BA72-9BF624DAFB52}" type="datetimeFigureOut">
               <a:rPr lang="de-DE" smtClean="0"/>
-              <a:t>27.01.2016</a:t>
+              <a:t>28.01.2016</a:t>
             </a:fld>
             <a:endParaRPr lang="de-DE"/>
           </a:p>
@@ -5086,7 +5086,7 @@
           <a:p>
             <a:fld id="{334B1B8A-5464-4087-BA72-9BF624DAFB52}" type="datetimeFigureOut">
               <a:rPr lang="de-DE" smtClean="0"/>
-              <a:t>27.01.2016</a:t>
+              <a:t>28.01.2016</a:t>
             </a:fld>
             <a:endParaRPr lang="de-DE"/>
           </a:p>
@@ -5256,7 +5256,7 @@
           <a:p>
             <a:fld id="{334B1B8A-5464-4087-BA72-9BF624DAFB52}" type="datetimeFigureOut">
               <a:rPr lang="de-DE" smtClean="0"/>
-              <a:t>27.01.2016</a:t>
+              <a:t>28.01.2016</a:t>
             </a:fld>
             <a:endParaRPr lang="de-DE"/>
           </a:p>
@@ -5507,7 +5507,7 @@
           <a:p>
             <a:fld id="{334B1B8A-5464-4087-BA72-9BF624DAFB52}" type="datetimeFigureOut">
               <a:rPr lang="de-DE" smtClean="0"/>
-              <a:t>27.01.2016</a:t>
+              <a:t>28.01.2016</a:t>
             </a:fld>
             <a:endParaRPr lang="de-DE"/>
           </a:p>
@@ -5739,7 +5739,7 @@
           <a:p>
             <a:fld id="{334B1B8A-5464-4087-BA72-9BF624DAFB52}" type="datetimeFigureOut">
               <a:rPr lang="de-DE" smtClean="0"/>
-              <a:t>27.01.2016</a:t>
+              <a:t>28.01.2016</a:t>
             </a:fld>
             <a:endParaRPr lang="de-DE"/>
           </a:p>
@@ -6086,7 +6086,7 @@
           <a:p>
             <a:fld id="{334B1B8A-5464-4087-BA72-9BF624DAFB52}" type="datetimeFigureOut">
               <a:rPr lang="de-DE" smtClean="0"/>
-              <a:t>27.01.2016</a:t>
+              <a:t>28.01.2016</a:t>
             </a:fld>
             <a:endParaRPr lang="de-DE"/>
           </a:p>
@@ -6204,7 +6204,7 @@
           <a:p>
             <a:fld id="{334B1B8A-5464-4087-BA72-9BF624DAFB52}" type="datetimeFigureOut">
               <a:rPr lang="de-DE" smtClean="0"/>
-              <a:t>27.01.2016</a:t>
+              <a:t>28.01.2016</a:t>
             </a:fld>
             <a:endParaRPr lang="de-DE"/>
           </a:p>
@@ -6322,7 +6322,7 @@
           <a:p>
             <a:fld id="{334B1B8A-5464-4087-BA72-9BF624DAFB52}" type="datetimeFigureOut">
               <a:rPr lang="de-DE" smtClean="0"/>
-              <a:t>27.01.2016</a:t>
+              <a:t>28.01.2016</a:t>
             </a:fld>
             <a:endParaRPr lang="de-DE"/>
           </a:p>
@@ -6606,7 +6606,7 @@
           <a:p>
             <a:fld id="{334B1B8A-5464-4087-BA72-9BF624DAFB52}" type="datetimeFigureOut">
               <a:rPr lang="de-DE" smtClean="0"/>
-              <a:t>27.01.2016</a:t>
+              <a:t>28.01.2016</a:t>
             </a:fld>
             <a:endParaRPr lang="de-DE"/>
           </a:p>
@@ -6776,7 +6776,7 @@
           <a:p>
             <a:fld id="{334B1B8A-5464-4087-BA72-9BF624DAFB52}" type="datetimeFigureOut">
               <a:rPr lang="de-DE" smtClean="0"/>
-              <a:t>27.01.2016</a:t>
+              <a:t>28.01.2016</a:t>
             </a:fld>
             <a:endParaRPr lang="de-DE"/>
           </a:p>
@@ -7040,7 +7040,7 @@
           <a:p>
             <a:fld id="{334B1B8A-5464-4087-BA72-9BF624DAFB52}" type="datetimeFigureOut">
               <a:rPr lang="de-DE" smtClean="0"/>
-              <a:t>27.01.2016</a:t>
+              <a:t>28.01.2016</a:t>
             </a:fld>
             <a:endParaRPr lang="de-DE"/>
           </a:p>
@@ -7210,7 +7210,7 @@
           <a:p>
             <a:fld id="{334B1B8A-5464-4087-BA72-9BF624DAFB52}" type="datetimeFigureOut">
               <a:rPr lang="de-DE" smtClean="0"/>
-              <a:t>27.01.2016</a:t>
+              <a:t>28.01.2016</a:t>
             </a:fld>
             <a:endParaRPr lang="de-DE"/>
           </a:p>
@@ -7390,7 +7390,7 @@
           <a:p>
             <a:fld id="{334B1B8A-5464-4087-BA72-9BF624DAFB52}" type="datetimeFigureOut">
               <a:rPr lang="de-DE" smtClean="0"/>
-              <a:t>27.01.2016</a:t>
+              <a:t>28.01.2016</a:t>
             </a:fld>
             <a:endParaRPr lang="de-DE"/>
           </a:p>
@@ -7677,7 +7677,7 @@
           <a:p>
             <a:fld id="{334B1B8A-5464-4087-BA72-9BF624DAFB52}" type="datetimeFigureOut">
               <a:rPr lang="de-DE" smtClean="0"/>
-              <a:t>27.01.2016</a:t>
+              <a:t>28.01.2016</a:t>
             </a:fld>
             <a:endParaRPr lang="de-DE"/>
           </a:p>
@@ -7885,7 +7885,7 @@
           <a:p>
             <a:fld id="{334B1B8A-5464-4087-BA72-9BF624DAFB52}" type="datetimeFigureOut">
               <a:rPr lang="de-DE" smtClean="0"/>
-              <a:t>27.01.2016</a:t>
+              <a:t>28.01.2016</a:t>
             </a:fld>
             <a:endParaRPr lang="de-DE"/>
           </a:p>
@@ -8228,7 +8228,7 @@
           <a:p>
             <a:fld id="{334B1B8A-5464-4087-BA72-9BF624DAFB52}" type="datetimeFigureOut">
               <a:rPr lang="de-DE" smtClean="0"/>
-              <a:t>27.01.2016</a:t>
+              <a:t>28.01.2016</a:t>
             </a:fld>
             <a:endParaRPr lang="de-DE"/>
           </a:p>
@@ -8503,7 +8503,7 @@
           <a:p>
             <a:fld id="{334B1B8A-5464-4087-BA72-9BF624DAFB52}" type="datetimeFigureOut">
               <a:rPr lang="de-DE" smtClean="0"/>
-              <a:t>27.01.2016</a:t>
+              <a:t>28.01.2016</a:t>
             </a:fld>
             <a:endParaRPr lang="de-DE"/>
           </a:p>
@@ -8882,7 +8882,7 @@
           <a:p>
             <a:fld id="{334B1B8A-5464-4087-BA72-9BF624DAFB52}" type="datetimeFigureOut">
               <a:rPr lang="de-DE" smtClean="0"/>
-              <a:t>27.01.2016</a:t>
+              <a:t>28.01.2016</a:t>
             </a:fld>
             <a:endParaRPr lang="de-DE"/>
           </a:p>
@@ -9000,7 +9000,7 @@
           <a:p>
             <a:fld id="{334B1B8A-5464-4087-BA72-9BF624DAFB52}" type="datetimeFigureOut">
               <a:rPr lang="de-DE" smtClean="0"/>
-              <a:t>27.01.2016</a:t>
+              <a:t>28.01.2016</a:t>
             </a:fld>
             <a:endParaRPr lang="de-DE"/>
           </a:p>
@@ -9171,7 +9171,7 @@
           <a:p>
             <a:fld id="{334B1B8A-5464-4087-BA72-9BF624DAFB52}" type="datetimeFigureOut">
               <a:rPr lang="de-DE" smtClean="0"/>
-              <a:t>27.01.2016</a:t>
+              <a:t>28.01.2016</a:t>
             </a:fld>
             <a:endParaRPr lang="de-DE"/>
           </a:p>
@@ -9430,7 +9430,7 @@
           <a:p>
             <a:fld id="{334B1B8A-5464-4087-BA72-9BF624DAFB52}" type="datetimeFigureOut">
               <a:rPr lang="de-DE" smtClean="0"/>
-              <a:t>27.01.2016</a:t>
+              <a:t>28.01.2016</a:t>
             </a:fld>
             <a:endParaRPr lang="de-DE"/>
           </a:p>
@@ -9776,7 +9776,7 @@
           <a:p>
             <a:fld id="{334B1B8A-5464-4087-BA72-9BF624DAFB52}" type="datetimeFigureOut">
               <a:rPr lang="de-DE" smtClean="0"/>
-              <a:t>27.01.2016</a:t>
+              <a:t>28.01.2016</a:t>
             </a:fld>
             <a:endParaRPr lang="de-DE"/>
           </a:p>
@@ -10153,7 +10153,7 @@
           <a:p>
             <a:fld id="{334B1B8A-5464-4087-BA72-9BF624DAFB52}" type="datetimeFigureOut">
               <a:rPr lang="de-DE" smtClean="0"/>
-              <a:t>27.01.2016</a:t>
+              <a:t>28.01.2016</a:t>
             </a:fld>
             <a:endParaRPr lang="de-DE"/>
           </a:p>
@@ -10323,7 +10323,7 @@
           <a:p>
             <a:fld id="{334B1B8A-5464-4087-BA72-9BF624DAFB52}" type="datetimeFigureOut">
               <a:rPr lang="de-DE" smtClean="0"/>
-              <a:t>27.01.2016</a:t>
+              <a:t>28.01.2016</a:t>
             </a:fld>
             <a:endParaRPr lang="de-DE"/>
           </a:p>
@@ -10579,7 +10579,7 @@
           <a:p>
             <a:fld id="{334B1B8A-5464-4087-BA72-9BF624DAFB52}" type="datetimeFigureOut">
               <a:rPr lang="de-DE" smtClean="0"/>
-              <a:t>27.01.2016</a:t>
+              <a:t>28.01.2016</a:t>
             </a:fld>
             <a:endParaRPr lang="de-DE"/>
           </a:p>
@@ -10811,7 +10811,7 @@
           <a:p>
             <a:fld id="{334B1B8A-5464-4087-BA72-9BF624DAFB52}" type="datetimeFigureOut">
               <a:rPr lang="de-DE" smtClean="0"/>
-              <a:t>27.01.2016</a:t>
+              <a:t>28.01.2016</a:t>
             </a:fld>
             <a:endParaRPr lang="de-DE"/>
           </a:p>
@@ -11158,7 +11158,7 @@
           <a:p>
             <a:fld id="{334B1B8A-5464-4087-BA72-9BF624DAFB52}" type="datetimeFigureOut">
               <a:rPr lang="de-DE" smtClean="0"/>
-              <a:t>27.01.2016</a:t>
+              <a:t>28.01.2016</a:t>
             </a:fld>
             <a:endParaRPr lang="de-DE"/>
           </a:p>
@@ -11276,7 +11276,7 @@
           <a:p>
             <a:fld id="{334B1B8A-5464-4087-BA72-9BF624DAFB52}" type="datetimeFigureOut">
               <a:rPr lang="de-DE" smtClean="0"/>
-              <a:t>27.01.2016</a:t>
+              <a:t>28.01.2016</a:t>
             </a:fld>
             <a:endParaRPr lang="de-DE"/>
           </a:p>
@@ -11394,7 +11394,7 @@
           <a:p>
             <a:fld id="{334B1B8A-5464-4087-BA72-9BF624DAFB52}" type="datetimeFigureOut">
               <a:rPr lang="de-DE" smtClean="0"/>
-              <a:t>27.01.2016</a:t>
+              <a:t>28.01.2016</a:t>
             </a:fld>
             <a:endParaRPr lang="de-DE"/>
           </a:p>
@@ -11678,7 +11678,7 @@
           <a:p>
             <a:fld id="{334B1B8A-5464-4087-BA72-9BF624DAFB52}" type="datetimeFigureOut">
               <a:rPr lang="de-DE" smtClean="0"/>
-              <a:t>27.01.2016</a:t>
+              <a:t>28.01.2016</a:t>
             </a:fld>
             <a:endParaRPr lang="de-DE"/>
           </a:p>
@@ -11942,7 +11942,7 @@
           <a:p>
             <a:fld id="{334B1B8A-5464-4087-BA72-9BF624DAFB52}" type="datetimeFigureOut">
               <a:rPr lang="de-DE" smtClean="0"/>
-              <a:t>27.01.2016</a:t>
+              <a:t>28.01.2016</a:t>
             </a:fld>
             <a:endParaRPr lang="de-DE"/>
           </a:p>
@@ -12156,7 +12156,7 @@
           <a:p>
             <a:fld id="{334B1B8A-5464-4087-BA72-9BF624DAFB52}" type="datetimeFigureOut">
               <a:rPr lang="de-DE" smtClean="0"/>
-              <a:t>27.01.2016</a:t>
+              <a:t>28.01.2016</a:t>
             </a:fld>
             <a:endParaRPr lang="de-DE"/>
           </a:p>
@@ -12691,7 +12691,7 @@
           <a:p>
             <a:fld id="{334B1B8A-5464-4087-BA72-9BF624DAFB52}" type="datetimeFigureOut">
               <a:rPr lang="de-DE" smtClean="0"/>
-              <a:t>27.01.2016</a:t>
+              <a:t>28.01.2016</a:t>
             </a:fld>
             <a:endParaRPr lang="de-DE"/>
           </a:p>
@@ -13299,7 +13299,7 @@
           <a:p>
             <a:fld id="{334B1B8A-5464-4087-BA72-9BF624DAFB52}" type="datetimeFigureOut">
               <a:rPr lang="de-DE" smtClean="0"/>
-              <a:t>27.01.2016</a:t>
+              <a:t>28.01.2016</a:t>
             </a:fld>
             <a:endParaRPr lang="de-DE"/>
           </a:p>
@@ -13845,11 +13845,7 @@
           <a:p>
             <a:r>
               <a:rPr lang="en-US" dirty="0" smtClean="0"/>
-              <a:t>.NET </a:t>
-            </a:r>
-            <a:r>
-              <a:rPr lang="en-US" dirty="0" smtClean="0"/>
-              <a:t>Crypto API</a:t>
+              <a:t>.NET Crypto API</a:t>
             </a:r>
             <a:endParaRPr lang="de-DE" dirty="0"/>
           </a:p>
@@ -13975,21 +13971,13 @@
           <a:p>
             <a:r>
               <a:rPr lang="en-US" dirty="0" smtClean="0"/>
-              <a:t>CAPI </a:t>
-            </a:r>
+              <a:t>CAPI since NT 4.0 (deprecated)</a:t>
+            </a:r>
+          </a:p>
+          <a:p>
             <a:r>
               <a:rPr lang="en-US" dirty="0" smtClean="0"/>
-              <a:t>since NT 4.0 (deprecated)</a:t>
-            </a:r>
-          </a:p>
-          <a:p>
-            <a:r>
-              <a:rPr lang="en-US" dirty="0" smtClean="0"/>
-              <a:t>Native </a:t>
-            </a:r>
-            <a:r>
-              <a:rPr lang="en-US" dirty="0" smtClean="0"/>
-              <a:t>and hardware implementations</a:t>
+              <a:t>Native and hardware implementations</a:t>
             </a:r>
           </a:p>
           <a:p>
@@ -14005,15 +13993,7 @@
           <a:p>
             <a:r>
               <a:rPr lang="en-US" dirty="0" smtClean="0"/>
-              <a:t>Managed Wrappers </a:t>
-            </a:r>
-            <a:r>
-              <a:rPr lang="en-US" dirty="0" smtClean="0"/>
-              <a:t>since </a:t>
-            </a:r>
-            <a:r>
-              <a:rPr lang="en-US" dirty="0" smtClean="0"/>
-              <a:t>.NET 1.1 and CAPICOM</a:t>
+              <a:t>Managed Wrappers since .NET 1.1 and CAPICOM</a:t>
             </a:r>
           </a:p>
           <a:p>
@@ -14033,11 +14013,7 @@
             </a:r>
             <a:r>
               <a:rPr lang="en-US" dirty="0" smtClean="0"/>
-              <a:t> Wrappers </a:t>
-            </a:r>
-            <a:r>
-              <a:rPr lang="en-US" dirty="0" smtClean="0"/>
-              <a:t>for the certified native algorithms but also managed implementations</a:t>
+              <a:t> Wrappers for the certified native algorithms but also managed implementations</a:t>
             </a:r>
           </a:p>
         </p:txBody>
@@ -14226,11 +14202,7 @@
           <a:p>
             <a:r>
               <a:rPr lang="en-US" dirty="0" smtClean="0"/>
-              <a:t>NSA and NIST </a:t>
-            </a:r>
-            <a:r>
-              <a:rPr lang="en-US" dirty="0" smtClean="0"/>
-              <a:t>recommended (2005)</a:t>
+              <a:t>NSA and NIST recommended (2005)</a:t>
             </a:r>
           </a:p>
           <a:p>
@@ -14242,33 +14214,18 @@
               <a:rPr lang="en-US" dirty="0" smtClean="0"/>
               <a:t>…</a:t>
             </a:r>
-            <a:endParaRPr lang="en-US" dirty="0" smtClean="0"/>
           </a:p>
           <a:p>
             <a:r>
               <a:rPr lang="en-US" dirty="0" smtClean="0"/>
-              <a:t>Available since Windows Vista (CNG</a:t>
-            </a:r>
+              <a:t>Available since Windows Vista (CNG)</a:t>
+            </a:r>
+          </a:p>
+          <a:p>
             <a:r>
               <a:rPr lang="en-US" dirty="0" smtClean="0"/>
-              <a:t>)</a:t>
-            </a:r>
-            <a:endParaRPr lang="en-US" dirty="0" smtClean="0"/>
-          </a:p>
-          <a:p>
-            <a:r>
-              <a:rPr lang="en-US" dirty="0" smtClean="0"/>
-              <a:t>Suite-A </a:t>
-            </a:r>
-            <a:r>
-              <a:rPr lang="en-US" dirty="0" smtClean="0"/>
-              <a:t>nuclear </a:t>
-            </a:r>
-            <a:r>
-              <a:rPr lang="en-US" dirty="0" smtClean="0"/>
-              <a:t>security</a:t>
-            </a:r>
-            <a:endParaRPr lang="en-US" dirty="0" smtClean="0"/>
+              <a:t>Suite-A nuclear security</a:t>
+            </a:r>
           </a:p>
         </p:txBody>
       </p:sp>
@@ -14610,11 +14567,7 @@
           <a:p>
             <a:r>
               <a:rPr lang="en-US" dirty="0" smtClean="0"/>
-              <a:t>License Server </a:t>
-            </a:r>
-            <a:r>
-              <a:rPr lang="en-US" dirty="0" smtClean="0"/>
-              <a:t>(Unsecure)</a:t>
+              <a:t>License Server (Unsecure)</a:t>
             </a:r>
             <a:endParaRPr lang="de-DE" dirty="0"/>
           </a:p>
@@ -15420,11 +15373,7 @@
           <a:p>
             <a:r>
               <a:rPr lang="en-US" dirty="0" smtClean="0"/>
-              <a:t>License Server </a:t>
-            </a:r>
-            <a:r>
-              <a:rPr lang="en-US" dirty="0" smtClean="0"/>
-              <a:t>(V1)</a:t>
+              <a:t>License Server (V1)</a:t>
             </a:r>
             <a:endParaRPr lang="de-DE" dirty="0"/>
           </a:p>
@@ -16548,11 +16497,7 @@
           <a:p>
             <a:r>
               <a:rPr lang="en-US" dirty="0" smtClean="0"/>
-              <a:t>License Server </a:t>
-            </a:r>
-            <a:r>
-              <a:rPr lang="en-US" dirty="0" smtClean="0"/>
-              <a:t>(V2)</a:t>
+              <a:t>License Server (V2)</a:t>
             </a:r>
             <a:endParaRPr lang="de-DE" dirty="0"/>
           </a:p>

--- a/NET Crypto.pptx
+++ b/NET Crypto.pptx
@@ -1,11 +1,14 @@
 
 <file path=ppt/presentation.xml><?xml version="1.0" encoding="utf-8"?>
-<p:presentation xmlns:a="http://schemas.openxmlformats.org/drawingml/2006/main" xmlns:r="http://schemas.openxmlformats.org/officeDocument/2006/relationships" xmlns:p="http://schemas.openxmlformats.org/presentationml/2006/main" saveSubsetFonts="1">
+<p:presentation xmlns:a="http://schemas.openxmlformats.org/drawingml/2006/main" xmlns:r="http://schemas.openxmlformats.org/officeDocument/2006/relationships" xmlns:p="http://schemas.openxmlformats.org/presentationml/2006/main" showSpecialPlsOnTitleSld="0" saveSubsetFonts="1">
   <p:sldMasterIdLst>
     <p:sldMasterId id="2147483821" r:id="rId1"/>
     <p:sldMasterId id="2147483833" r:id="rId2"/>
     <p:sldMasterId id="2147483869" r:id="rId3"/>
   </p:sldMasterIdLst>
+  <p:notesMasterIdLst>
+    <p:notesMasterId r:id="rId13"/>
+  </p:notesMasterIdLst>
   <p:sldIdLst>
     <p:sldId id="256" r:id="rId4"/>
     <p:sldId id="257" r:id="rId5"/>
@@ -4391,6 +4394,356 @@
 </dgm:styleDef>
 </file>
 
+<file path=ppt/notesMasters/notesMaster1.xml><?xml version="1.0" encoding="utf-8"?>
+<p:notesMaster xmlns:a="http://schemas.openxmlformats.org/drawingml/2006/main" xmlns:r="http://schemas.openxmlformats.org/officeDocument/2006/relationships" xmlns:p="http://schemas.openxmlformats.org/presentationml/2006/main">
+  <p:cSld>
+    <p:bg>
+      <p:bgRef idx="1001">
+        <a:schemeClr val="bg1"/>
+      </p:bgRef>
+    </p:bg>
+    <p:spTree>
+      <p:nvGrpSpPr>
+        <p:cNvPr id="1" name=""/>
+        <p:cNvGrpSpPr/>
+        <p:nvPr/>
+      </p:nvGrpSpPr>
+      <p:grpSpPr>
+        <a:xfrm>
+          <a:off x="0" y="0"/>
+          <a:ext cx="0" cy="0"/>
+          <a:chOff x="0" y="0"/>
+          <a:chExt cx="0" cy="0"/>
+        </a:xfrm>
+      </p:grpSpPr>
+      <p:sp>
+        <p:nvSpPr>
+          <p:cNvPr id="2" name="Header Placeholder 1"/>
+          <p:cNvSpPr>
+            <a:spLocks noGrp="1"/>
+          </p:cNvSpPr>
+          <p:nvPr>
+            <p:ph type="hdr" sz="quarter"/>
+          </p:nvPr>
+        </p:nvSpPr>
+        <p:spPr>
+          <a:xfrm>
+            <a:off x="0" y="0"/>
+            <a:ext cx="2971800" cy="458788"/>
+          </a:xfrm>
+          <a:prstGeom prst="rect">
+            <a:avLst/>
+          </a:prstGeom>
+        </p:spPr>
+        <p:txBody>
+          <a:bodyPr vert="horz" lIns="91440" tIns="45720" rIns="91440" bIns="45720" rtlCol="0"/>
+          <a:lstStyle>
+            <a:lvl1pPr algn="l">
+              <a:defRPr sz="1200"/>
+            </a:lvl1pPr>
+          </a:lstStyle>
+          <a:p>
+            <a:endParaRPr lang="de-DE"/>
+          </a:p>
+        </p:txBody>
+      </p:sp>
+      <p:sp>
+        <p:nvSpPr>
+          <p:cNvPr id="3" name="Date Placeholder 2"/>
+          <p:cNvSpPr>
+            <a:spLocks noGrp="1"/>
+          </p:cNvSpPr>
+          <p:nvPr>
+            <p:ph type="dt" idx="1"/>
+          </p:nvPr>
+        </p:nvSpPr>
+        <p:spPr>
+          <a:xfrm>
+            <a:off x="3884613" y="0"/>
+            <a:ext cx="2971800" cy="458788"/>
+          </a:xfrm>
+          <a:prstGeom prst="rect">
+            <a:avLst/>
+          </a:prstGeom>
+        </p:spPr>
+        <p:txBody>
+          <a:bodyPr vert="horz" lIns="91440" tIns="45720" rIns="91440" bIns="45720" rtlCol="0"/>
+          <a:lstStyle>
+            <a:lvl1pPr algn="r">
+              <a:defRPr sz="1200"/>
+            </a:lvl1pPr>
+          </a:lstStyle>
+          <a:p>
+            <a:fld id="{F6C25487-D9A4-4934-8A4D-0B46D8579AFB}" type="datetimeFigureOut">
+              <a:rPr lang="de-DE" smtClean="0"/>
+              <a:t>29.01.2016</a:t>
+            </a:fld>
+            <a:endParaRPr lang="de-DE"/>
+          </a:p>
+        </p:txBody>
+      </p:sp>
+      <p:sp>
+        <p:nvSpPr>
+          <p:cNvPr id="4" name="Slide Image Placeholder 3"/>
+          <p:cNvSpPr>
+            <a:spLocks noGrp="1" noRot="1" noChangeAspect="1"/>
+          </p:cNvSpPr>
+          <p:nvPr>
+            <p:ph type="sldImg" idx="2"/>
+          </p:nvPr>
+        </p:nvSpPr>
+        <p:spPr>
+          <a:xfrm>
+            <a:off x="685800" y="1143000"/>
+            <a:ext cx="5486400" cy="3086100"/>
+          </a:xfrm>
+          <a:prstGeom prst="rect">
+            <a:avLst/>
+          </a:prstGeom>
+          <a:noFill/>
+          <a:ln w="12700">
+            <a:solidFill>
+              <a:prstClr val="black"/>
+            </a:solidFill>
+          </a:ln>
+        </p:spPr>
+        <p:txBody>
+          <a:bodyPr vert="horz" lIns="91440" tIns="45720" rIns="91440" bIns="45720" rtlCol="0" anchor="ctr"/>
+          <a:lstStyle/>
+          <a:p>
+            <a:endParaRPr lang="de-DE"/>
+          </a:p>
+        </p:txBody>
+      </p:sp>
+      <p:sp>
+        <p:nvSpPr>
+          <p:cNvPr id="5" name="Notes Placeholder 4"/>
+          <p:cNvSpPr>
+            <a:spLocks noGrp="1"/>
+          </p:cNvSpPr>
+          <p:nvPr>
+            <p:ph type="body" sz="quarter" idx="3"/>
+          </p:nvPr>
+        </p:nvSpPr>
+        <p:spPr>
+          <a:xfrm>
+            <a:off x="685800" y="4400550"/>
+            <a:ext cx="5486400" cy="3600450"/>
+          </a:xfrm>
+          <a:prstGeom prst="rect">
+            <a:avLst/>
+          </a:prstGeom>
+        </p:spPr>
+        <p:txBody>
+          <a:bodyPr vert="horz" lIns="91440" tIns="45720" rIns="91440" bIns="45720" rtlCol="0"/>
+          <a:lstStyle/>
+          <a:p>
+            <a:pPr lvl="0"/>
+            <a:r>
+              <a:rPr lang="en-US" smtClean="0"/>
+              <a:t>Edit Master text styles</a:t>
+            </a:r>
+          </a:p>
+          <a:p>
+            <a:pPr lvl="1"/>
+            <a:r>
+              <a:rPr lang="en-US" smtClean="0"/>
+              <a:t>Second level</a:t>
+            </a:r>
+          </a:p>
+          <a:p>
+            <a:pPr lvl="2"/>
+            <a:r>
+              <a:rPr lang="en-US" smtClean="0"/>
+              <a:t>Third level</a:t>
+            </a:r>
+          </a:p>
+          <a:p>
+            <a:pPr lvl="3"/>
+            <a:r>
+              <a:rPr lang="en-US" smtClean="0"/>
+              <a:t>Fourth level</a:t>
+            </a:r>
+          </a:p>
+          <a:p>
+            <a:pPr lvl="4"/>
+            <a:r>
+              <a:rPr lang="en-US" smtClean="0"/>
+              <a:t>Fifth level</a:t>
+            </a:r>
+            <a:endParaRPr lang="de-DE"/>
+          </a:p>
+        </p:txBody>
+      </p:sp>
+      <p:sp>
+        <p:nvSpPr>
+          <p:cNvPr id="6" name="Footer Placeholder 5"/>
+          <p:cNvSpPr>
+            <a:spLocks noGrp="1"/>
+          </p:cNvSpPr>
+          <p:nvPr>
+            <p:ph type="ftr" sz="quarter" idx="4"/>
+          </p:nvPr>
+        </p:nvSpPr>
+        <p:spPr>
+          <a:xfrm>
+            <a:off x="0" y="8685213"/>
+            <a:ext cx="2971800" cy="458787"/>
+          </a:xfrm>
+          <a:prstGeom prst="rect">
+            <a:avLst/>
+          </a:prstGeom>
+        </p:spPr>
+        <p:txBody>
+          <a:bodyPr vert="horz" lIns="91440" tIns="45720" rIns="91440" bIns="45720" rtlCol="0" anchor="b"/>
+          <a:lstStyle>
+            <a:lvl1pPr algn="l">
+              <a:defRPr sz="1200"/>
+            </a:lvl1pPr>
+          </a:lstStyle>
+          <a:p>
+            <a:endParaRPr lang="de-DE"/>
+          </a:p>
+        </p:txBody>
+      </p:sp>
+      <p:sp>
+        <p:nvSpPr>
+          <p:cNvPr id="7" name="Slide Number Placeholder 6"/>
+          <p:cNvSpPr>
+            <a:spLocks noGrp="1"/>
+          </p:cNvSpPr>
+          <p:nvPr>
+            <p:ph type="sldNum" sz="quarter" idx="5"/>
+          </p:nvPr>
+        </p:nvSpPr>
+        <p:spPr>
+          <a:xfrm>
+            <a:off x="3884613" y="8685213"/>
+            <a:ext cx="2971800" cy="458787"/>
+          </a:xfrm>
+          <a:prstGeom prst="rect">
+            <a:avLst/>
+          </a:prstGeom>
+        </p:spPr>
+        <p:txBody>
+          <a:bodyPr vert="horz" lIns="91440" tIns="45720" rIns="91440" bIns="45720" rtlCol="0" anchor="b"/>
+          <a:lstStyle>
+            <a:lvl1pPr algn="r">
+              <a:defRPr sz="1200"/>
+            </a:lvl1pPr>
+          </a:lstStyle>
+          <a:p>
+            <a:fld id="{FB2AA7B5-9C50-452D-BFED-8CB38EC3FC7A}" type="slidenum">
+              <a:rPr lang="de-DE" smtClean="0"/>
+              <a:t>‹#›</a:t>
+            </a:fld>
+            <a:endParaRPr lang="de-DE"/>
+          </a:p>
+        </p:txBody>
+      </p:sp>
+    </p:spTree>
+    <p:extLst>
+      <p:ext uri="{BB962C8B-B14F-4D97-AF65-F5344CB8AC3E}">
+        <p14:creationId xmlns:p14="http://schemas.microsoft.com/office/powerpoint/2010/main" val="3348173791"/>
+      </p:ext>
+    </p:extLst>
+  </p:cSld>
+  <p:clrMap bg1="lt1" tx1="dk1" bg2="lt2" tx2="dk2" accent1="accent1" accent2="accent2" accent3="accent3" accent4="accent4" accent5="accent5" accent6="accent6" hlink="hlink" folHlink="folHlink"/>
+  <p:notesStyle>
+    <a:lvl1pPr marL="0" algn="l" defTabSz="914400" rtl="0" eaLnBrk="1" latinLnBrk="0" hangingPunct="1">
+      <a:defRPr sz="1200" kern="1200">
+        <a:solidFill>
+          <a:schemeClr val="tx1"/>
+        </a:solidFill>
+        <a:latin typeface="+mn-lt"/>
+        <a:ea typeface="+mn-ea"/>
+        <a:cs typeface="+mn-cs"/>
+      </a:defRPr>
+    </a:lvl1pPr>
+    <a:lvl2pPr marL="457200" algn="l" defTabSz="914400" rtl="0" eaLnBrk="1" latinLnBrk="0" hangingPunct="1">
+      <a:defRPr sz="1200" kern="1200">
+        <a:solidFill>
+          <a:schemeClr val="tx1"/>
+        </a:solidFill>
+        <a:latin typeface="+mn-lt"/>
+        <a:ea typeface="+mn-ea"/>
+        <a:cs typeface="+mn-cs"/>
+      </a:defRPr>
+    </a:lvl2pPr>
+    <a:lvl3pPr marL="914400" algn="l" defTabSz="914400" rtl="0" eaLnBrk="1" latinLnBrk="0" hangingPunct="1">
+      <a:defRPr sz="1200" kern="1200">
+        <a:solidFill>
+          <a:schemeClr val="tx1"/>
+        </a:solidFill>
+        <a:latin typeface="+mn-lt"/>
+        <a:ea typeface="+mn-ea"/>
+        <a:cs typeface="+mn-cs"/>
+      </a:defRPr>
+    </a:lvl3pPr>
+    <a:lvl4pPr marL="1371600" algn="l" defTabSz="914400" rtl="0" eaLnBrk="1" latinLnBrk="0" hangingPunct="1">
+      <a:defRPr sz="1200" kern="1200">
+        <a:solidFill>
+          <a:schemeClr val="tx1"/>
+        </a:solidFill>
+        <a:latin typeface="+mn-lt"/>
+        <a:ea typeface="+mn-ea"/>
+        <a:cs typeface="+mn-cs"/>
+      </a:defRPr>
+    </a:lvl4pPr>
+    <a:lvl5pPr marL="1828800" algn="l" defTabSz="914400" rtl="0" eaLnBrk="1" latinLnBrk="0" hangingPunct="1">
+      <a:defRPr sz="1200" kern="1200">
+        <a:solidFill>
+          <a:schemeClr val="tx1"/>
+        </a:solidFill>
+        <a:latin typeface="+mn-lt"/>
+        <a:ea typeface="+mn-ea"/>
+        <a:cs typeface="+mn-cs"/>
+      </a:defRPr>
+    </a:lvl5pPr>
+    <a:lvl6pPr marL="2286000" algn="l" defTabSz="914400" rtl="0" eaLnBrk="1" latinLnBrk="0" hangingPunct="1">
+      <a:defRPr sz="1200" kern="1200">
+        <a:solidFill>
+          <a:schemeClr val="tx1"/>
+        </a:solidFill>
+        <a:latin typeface="+mn-lt"/>
+        <a:ea typeface="+mn-ea"/>
+        <a:cs typeface="+mn-cs"/>
+      </a:defRPr>
+    </a:lvl6pPr>
+    <a:lvl7pPr marL="2743200" algn="l" defTabSz="914400" rtl="0" eaLnBrk="1" latinLnBrk="0" hangingPunct="1">
+      <a:defRPr sz="1200" kern="1200">
+        <a:solidFill>
+          <a:schemeClr val="tx1"/>
+        </a:solidFill>
+        <a:latin typeface="+mn-lt"/>
+        <a:ea typeface="+mn-ea"/>
+        <a:cs typeface="+mn-cs"/>
+      </a:defRPr>
+    </a:lvl7pPr>
+    <a:lvl8pPr marL="3200400" algn="l" defTabSz="914400" rtl="0" eaLnBrk="1" latinLnBrk="0" hangingPunct="1">
+      <a:defRPr sz="1200" kern="1200">
+        <a:solidFill>
+          <a:schemeClr val="tx1"/>
+        </a:solidFill>
+        <a:latin typeface="+mn-lt"/>
+        <a:ea typeface="+mn-ea"/>
+        <a:cs typeface="+mn-cs"/>
+      </a:defRPr>
+    </a:lvl8pPr>
+    <a:lvl9pPr marL="3657600" algn="l" defTabSz="914400" rtl="0" eaLnBrk="1" latinLnBrk="0" hangingPunct="1">
+      <a:defRPr sz="1200" kern="1200">
+        <a:solidFill>
+          <a:schemeClr val="tx1"/>
+        </a:solidFill>
+        <a:latin typeface="+mn-lt"/>
+        <a:ea typeface="+mn-ea"/>
+        <a:cs typeface="+mn-cs"/>
+      </a:defRPr>
+    </a:lvl9pPr>
+  </p:notesStyle>
+</p:notesMaster>
+</file>
+
 <file path=ppt/slideLayouts/slideLayout1.xml><?xml version="1.0" encoding="utf-8"?>
 <p:sldLayout xmlns:a="http://schemas.openxmlformats.org/drawingml/2006/main" xmlns:r="http://schemas.openxmlformats.org/officeDocument/2006/relationships" xmlns:p="http://schemas.openxmlformats.org/presentationml/2006/main" type="title" preserve="1">
   <p:cSld name="Title Slide">
@@ -4531,9 +4884,9 @@
           <a:bodyPr/>
           <a:lstStyle/>
           <a:p>
-            <a:fld id="{334B1B8A-5464-4087-BA72-9BF624DAFB52}" type="datetimeFigureOut">
+            <a:fld id="{157399D3-D0B1-4F8C-B74C-7F7E3248C4FE}" type="datetime1">
               <a:rPr lang="de-DE" smtClean="0"/>
-              <a:t>28.01.2016</a:t>
+              <a:t>29.01.2016</a:t>
             </a:fld>
             <a:endParaRPr lang="de-DE"/>
           </a:p>
@@ -4554,6 +4907,10 @@
           <a:bodyPr/>
           <a:lstStyle/>
           <a:p>
+            <a:r>
+              <a:rPr lang="de-DE" smtClean="0"/>
+              <a:t>SFS Projekt WS 15/16</a:t>
+            </a:r>
             <a:endParaRPr lang="de-DE"/>
           </a:p>
         </p:txBody>
@@ -4701,9 +5058,9 @@
           <a:bodyPr/>
           <a:lstStyle/>
           <a:p>
-            <a:fld id="{334B1B8A-5464-4087-BA72-9BF624DAFB52}" type="datetimeFigureOut">
+            <a:fld id="{BD914553-1B20-4253-95B9-B07259217833}" type="datetime1">
               <a:rPr lang="de-DE" smtClean="0"/>
-              <a:t>28.01.2016</a:t>
+              <a:t>29.01.2016</a:t>
             </a:fld>
             <a:endParaRPr lang="de-DE"/>
           </a:p>
@@ -4724,6 +5081,10 @@
           <a:bodyPr/>
           <a:lstStyle/>
           <a:p>
+            <a:r>
+              <a:rPr lang="de-DE" smtClean="0"/>
+              <a:t>SFS Projekt WS 15/16</a:t>
+            </a:r>
             <a:endParaRPr lang="de-DE"/>
           </a:p>
         </p:txBody>
@@ -4881,9 +5242,9 @@
           <a:bodyPr/>
           <a:lstStyle/>
           <a:p>
-            <a:fld id="{334B1B8A-5464-4087-BA72-9BF624DAFB52}" type="datetimeFigureOut">
+            <a:fld id="{5B1D4FF9-B740-447E-95B4-C432B23E67E8}" type="datetime1">
               <a:rPr lang="de-DE" smtClean="0"/>
-              <a:t>28.01.2016</a:t>
+              <a:t>29.01.2016</a:t>
             </a:fld>
             <a:endParaRPr lang="de-DE"/>
           </a:p>
@@ -4904,6 +5265,10 @@
           <a:bodyPr/>
           <a:lstStyle/>
           <a:p>
+            <a:r>
+              <a:rPr lang="de-DE" smtClean="0"/>
+              <a:t>SFS Projekt WS 15/16</a:t>
+            </a:r>
             <a:endParaRPr lang="de-DE"/>
           </a:p>
         </p:txBody>
@@ -5084,9 +5449,9 @@
           <a:bodyPr/>
           <a:lstStyle/>
           <a:p>
-            <a:fld id="{334B1B8A-5464-4087-BA72-9BF624DAFB52}" type="datetimeFigureOut">
+            <a:fld id="{0B1BB51F-8D29-4A84-BED8-A841FBA8C662}" type="datetime1">
               <a:rPr lang="de-DE" smtClean="0"/>
-              <a:t>28.01.2016</a:t>
+              <a:t>29.01.2016</a:t>
             </a:fld>
             <a:endParaRPr lang="de-DE"/>
           </a:p>
@@ -5107,6 +5472,10 @@
           <a:bodyPr/>
           <a:lstStyle/>
           <a:p>
+            <a:r>
+              <a:rPr lang="de-DE" smtClean="0"/>
+              <a:t>SFS Projekt WS 15/16</a:t>
+            </a:r>
             <a:endParaRPr lang="de-DE"/>
           </a:p>
         </p:txBody>
@@ -5254,9 +5623,9 @@
           <a:bodyPr/>
           <a:lstStyle/>
           <a:p>
-            <a:fld id="{334B1B8A-5464-4087-BA72-9BF624DAFB52}" type="datetimeFigureOut">
+            <a:fld id="{7EE7C8A6-B57A-41BE-8A3B-3C4292000CE1}" type="datetime1">
               <a:rPr lang="de-DE" smtClean="0"/>
-              <a:t>28.01.2016</a:t>
+              <a:t>29.01.2016</a:t>
             </a:fld>
             <a:endParaRPr lang="de-DE"/>
           </a:p>
@@ -5277,6 +5646,10 @@
           <a:bodyPr/>
           <a:lstStyle/>
           <a:p>
+            <a:r>
+              <a:rPr lang="de-DE" smtClean="0"/>
+              <a:t>SFS Projekt WS 15/16</a:t>
+            </a:r>
             <a:endParaRPr lang="de-DE"/>
           </a:p>
         </p:txBody>
@@ -5505,9 +5878,9 @@
           <a:bodyPr/>
           <a:lstStyle/>
           <a:p>
-            <a:fld id="{334B1B8A-5464-4087-BA72-9BF624DAFB52}" type="datetimeFigureOut">
+            <a:fld id="{18AB9A9A-5184-4146-971A-7B5833AC81D7}" type="datetime1">
               <a:rPr lang="de-DE" smtClean="0"/>
-              <a:t>28.01.2016</a:t>
+              <a:t>29.01.2016</a:t>
             </a:fld>
             <a:endParaRPr lang="de-DE"/>
           </a:p>
@@ -5528,6 +5901,10 @@
           <a:bodyPr/>
           <a:lstStyle/>
           <a:p>
+            <a:r>
+              <a:rPr lang="de-DE" smtClean="0"/>
+              <a:t>SFS Projekt WS 15/16</a:t>
+            </a:r>
             <a:endParaRPr lang="de-DE"/>
           </a:p>
         </p:txBody>
@@ -5737,9 +6114,9 @@
           <a:bodyPr/>
           <a:lstStyle/>
           <a:p>
-            <a:fld id="{334B1B8A-5464-4087-BA72-9BF624DAFB52}" type="datetimeFigureOut">
+            <a:fld id="{20D6EEB2-CA00-461F-B950-6E15B6DE7449}" type="datetime1">
               <a:rPr lang="de-DE" smtClean="0"/>
-              <a:t>28.01.2016</a:t>
+              <a:t>29.01.2016</a:t>
             </a:fld>
             <a:endParaRPr lang="de-DE"/>
           </a:p>
@@ -5760,6 +6137,10 @@
           <a:bodyPr/>
           <a:lstStyle/>
           <a:p>
+            <a:r>
+              <a:rPr lang="de-DE" smtClean="0"/>
+              <a:t>SFS Projekt WS 15/16</a:t>
+            </a:r>
             <a:endParaRPr lang="de-DE"/>
           </a:p>
         </p:txBody>
@@ -6084,9 +6465,9 @@
           <a:bodyPr/>
           <a:lstStyle/>
           <a:p>
-            <a:fld id="{334B1B8A-5464-4087-BA72-9BF624DAFB52}" type="datetimeFigureOut">
+            <a:fld id="{443ECF84-0607-43C7-8D32-8DE03EA646E0}" type="datetime1">
               <a:rPr lang="de-DE" smtClean="0"/>
-              <a:t>28.01.2016</a:t>
+              <a:t>29.01.2016</a:t>
             </a:fld>
             <a:endParaRPr lang="de-DE"/>
           </a:p>
@@ -6107,6 +6488,10 @@
           <a:bodyPr/>
           <a:lstStyle/>
           <a:p>
+            <a:r>
+              <a:rPr lang="de-DE" smtClean="0"/>
+              <a:t>SFS Projekt WS 15/16</a:t>
+            </a:r>
             <a:endParaRPr lang="de-DE"/>
           </a:p>
         </p:txBody>
@@ -6202,9 +6587,9 @@
           <a:bodyPr/>
           <a:lstStyle/>
           <a:p>
-            <a:fld id="{334B1B8A-5464-4087-BA72-9BF624DAFB52}" type="datetimeFigureOut">
+            <a:fld id="{8CD92077-4F04-45FF-9F07-EEF5AF76AD69}" type="datetime1">
               <a:rPr lang="de-DE" smtClean="0"/>
-              <a:t>28.01.2016</a:t>
+              <a:t>29.01.2016</a:t>
             </a:fld>
             <a:endParaRPr lang="de-DE"/>
           </a:p>
@@ -6225,6 +6610,10 @@
           <a:bodyPr/>
           <a:lstStyle/>
           <a:p>
+            <a:r>
+              <a:rPr lang="de-DE" smtClean="0"/>
+              <a:t>SFS Projekt WS 15/16</a:t>
+            </a:r>
             <a:endParaRPr lang="de-DE"/>
           </a:p>
         </p:txBody>
@@ -6320,9 +6709,9 @@
           <a:bodyPr/>
           <a:lstStyle/>
           <a:p>
-            <a:fld id="{334B1B8A-5464-4087-BA72-9BF624DAFB52}" type="datetimeFigureOut">
+            <a:fld id="{466694F4-FA6F-4E09-ACBD-2CBE0B495278}" type="datetime1">
               <a:rPr lang="de-DE" smtClean="0"/>
-              <a:t>28.01.2016</a:t>
+              <a:t>29.01.2016</a:t>
             </a:fld>
             <a:endParaRPr lang="de-DE"/>
           </a:p>
@@ -6343,6 +6732,10 @@
           <a:bodyPr/>
           <a:lstStyle/>
           <a:p>
+            <a:r>
+              <a:rPr lang="de-DE" smtClean="0"/>
+              <a:t>SFS Projekt WS 15/16</a:t>
+            </a:r>
             <a:endParaRPr lang="de-DE"/>
           </a:p>
         </p:txBody>
@@ -6604,9 +6997,9 @@
           <a:bodyPr/>
           <a:lstStyle/>
           <a:p>
-            <a:fld id="{334B1B8A-5464-4087-BA72-9BF624DAFB52}" type="datetimeFigureOut">
+            <a:fld id="{1B872E86-43FA-4963-82AC-95D765F5228B}" type="datetime1">
               <a:rPr lang="de-DE" smtClean="0"/>
-              <a:t>28.01.2016</a:t>
+              <a:t>29.01.2016</a:t>
             </a:fld>
             <a:endParaRPr lang="de-DE"/>
           </a:p>
@@ -6627,6 +7020,10 @@
           <a:bodyPr/>
           <a:lstStyle/>
           <a:p>
+            <a:r>
+              <a:rPr lang="de-DE" smtClean="0"/>
+              <a:t>SFS Projekt WS 15/16</a:t>
+            </a:r>
             <a:endParaRPr lang="de-DE"/>
           </a:p>
         </p:txBody>
@@ -6774,9 +7171,9 @@
           <a:bodyPr/>
           <a:lstStyle/>
           <a:p>
-            <a:fld id="{334B1B8A-5464-4087-BA72-9BF624DAFB52}" type="datetimeFigureOut">
+            <a:fld id="{804C337E-3C31-427A-8AAF-7CCC89486A1B}" type="datetime1">
               <a:rPr lang="de-DE" smtClean="0"/>
-              <a:t>28.01.2016</a:t>
+              <a:t>29.01.2016</a:t>
             </a:fld>
             <a:endParaRPr lang="de-DE"/>
           </a:p>
@@ -6797,6 +7194,10 @@
           <a:bodyPr/>
           <a:lstStyle/>
           <a:p>
+            <a:r>
+              <a:rPr lang="de-DE" smtClean="0"/>
+              <a:t>SFS Projekt WS 15/16</a:t>
+            </a:r>
             <a:endParaRPr lang="de-DE"/>
           </a:p>
         </p:txBody>
@@ -7038,9 +7439,9 @@
           <a:bodyPr/>
           <a:lstStyle/>
           <a:p>
-            <a:fld id="{334B1B8A-5464-4087-BA72-9BF624DAFB52}" type="datetimeFigureOut">
+            <a:fld id="{D8F623EE-055D-4F9B-AA69-041AC468B002}" type="datetime1">
               <a:rPr lang="de-DE" smtClean="0"/>
-              <a:t>28.01.2016</a:t>
+              <a:t>29.01.2016</a:t>
             </a:fld>
             <a:endParaRPr lang="de-DE"/>
           </a:p>
@@ -7061,6 +7462,10 @@
           <a:bodyPr/>
           <a:lstStyle/>
           <a:p>
+            <a:r>
+              <a:rPr lang="de-DE" smtClean="0"/>
+              <a:t>SFS Projekt WS 15/16</a:t>
+            </a:r>
             <a:endParaRPr lang="de-DE"/>
           </a:p>
         </p:txBody>
@@ -7208,9 +7613,9 @@
           <a:bodyPr/>
           <a:lstStyle/>
           <a:p>
-            <a:fld id="{334B1B8A-5464-4087-BA72-9BF624DAFB52}" type="datetimeFigureOut">
+            <a:fld id="{8D395295-9D8B-46A4-A36C-C6D267CCF1D9}" type="datetime1">
               <a:rPr lang="de-DE" smtClean="0"/>
-              <a:t>28.01.2016</a:t>
+              <a:t>29.01.2016</a:t>
             </a:fld>
             <a:endParaRPr lang="de-DE"/>
           </a:p>
@@ -7231,6 +7636,10 @@
           <a:bodyPr/>
           <a:lstStyle/>
           <a:p>
+            <a:r>
+              <a:rPr lang="de-DE" smtClean="0"/>
+              <a:t>SFS Projekt WS 15/16</a:t>
+            </a:r>
             <a:endParaRPr lang="de-DE"/>
           </a:p>
         </p:txBody>
@@ -7388,9 +7797,9 @@
           <a:bodyPr/>
           <a:lstStyle/>
           <a:p>
-            <a:fld id="{334B1B8A-5464-4087-BA72-9BF624DAFB52}" type="datetimeFigureOut">
+            <a:fld id="{28CA3536-FF32-406E-B097-D4F9A9C63439}" type="datetime1">
               <a:rPr lang="de-DE" smtClean="0"/>
-              <a:t>28.01.2016</a:t>
+              <a:t>29.01.2016</a:t>
             </a:fld>
             <a:endParaRPr lang="de-DE"/>
           </a:p>
@@ -7411,6 +7820,10 @@
           <a:bodyPr/>
           <a:lstStyle/>
           <a:p>
+            <a:r>
+              <a:rPr lang="de-DE" smtClean="0"/>
+              <a:t>SFS Projekt WS 15/16</a:t>
+            </a:r>
             <a:endParaRPr lang="de-DE"/>
           </a:p>
         </p:txBody>
@@ -7675,9 +8088,9 @@
           <a:bodyPr/>
           <a:lstStyle/>
           <a:p>
-            <a:fld id="{334B1B8A-5464-4087-BA72-9BF624DAFB52}" type="datetimeFigureOut">
+            <a:fld id="{ED90F619-F613-4710-A985-5961DC8CCEA9}" type="datetime1">
               <a:rPr lang="de-DE" smtClean="0"/>
-              <a:t>28.01.2016</a:t>
+              <a:t>29.01.2016</a:t>
             </a:fld>
             <a:endParaRPr lang="de-DE"/>
           </a:p>
@@ -7698,6 +8111,10 @@
           <a:bodyPr/>
           <a:lstStyle/>
           <a:p>
+            <a:r>
+              <a:rPr lang="de-DE" smtClean="0"/>
+              <a:t>SFS Projekt WS 15/16</a:t>
+            </a:r>
             <a:endParaRPr lang="de-DE"/>
           </a:p>
         </p:txBody>
@@ -7883,9 +8300,9 @@
           <a:bodyPr/>
           <a:lstStyle/>
           <a:p>
-            <a:fld id="{334B1B8A-5464-4087-BA72-9BF624DAFB52}" type="datetimeFigureOut">
+            <a:fld id="{178AA88C-82B0-41BF-B754-D2425F292DAE}" type="datetime1">
               <a:rPr lang="de-DE" smtClean="0"/>
-              <a:t>28.01.2016</a:t>
+              <a:t>29.01.2016</a:t>
             </a:fld>
             <a:endParaRPr lang="de-DE"/>
           </a:p>
@@ -7906,6 +8323,10 @@
           <a:bodyPr/>
           <a:lstStyle/>
           <a:p>
+            <a:r>
+              <a:rPr lang="de-DE" smtClean="0"/>
+              <a:t>SFS Projekt WS 15/16</a:t>
+            </a:r>
             <a:endParaRPr lang="de-DE"/>
           </a:p>
         </p:txBody>
@@ -8226,9 +8647,9 @@
           <a:bodyPr/>
           <a:lstStyle/>
           <a:p>
-            <a:fld id="{334B1B8A-5464-4087-BA72-9BF624DAFB52}" type="datetimeFigureOut">
+            <a:fld id="{F5682000-4B05-4BF9-B231-2B7AF8C22724}" type="datetime1">
               <a:rPr lang="de-DE" smtClean="0"/>
-              <a:t>28.01.2016</a:t>
+              <a:t>29.01.2016</a:t>
             </a:fld>
             <a:endParaRPr lang="de-DE"/>
           </a:p>
@@ -8249,6 +8670,10 @@
           <a:bodyPr/>
           <a:lstStyle/>
           <a:p>
+            <a:r>
+              <a:rPr lang="de-DE" smtClean="0"/>
+              <a:t>SFS Projekt WS 15/16</a:t>
+            </a:r>
             <a:endParaRPr lang="de-DE"/>
           </a:p>
         </p:txBody>
@@ -8501,9 +8926,9 @@
           <a:bodyPr/>
           <a:lstStyle/>
           <a:p>
-            <a:fld id="{334B1B8A-5464-4087-BA72-9BF624DAFB52}" type="datetimeFigureOut">
+            <a:fld id="{998D2719-192D-4FCC-8E7C-899D7264E510}" type="datetime1">
               <a:rPr lang="de-DE" smtClean="0"/>
-              <a:t>28.01.2016</a:t>
+              <a:t>29.01.2016</a:t>
             </a:fld>
             <a:endParaRPr lang="de-DE"/>
           </a:p>
@@ -8524,6 +8949,10 @@
           <a:bodyPr/>
           <a:lstStyle/>
           <a:p>
+            <a:r>
+              <a:rPr lang="de-DE" smtClean="0"/>
+              <a:t>SFS Projekt WS 15/16</a:t>
+            </a:r>
             <a:endParaRPr lang="de-DE"/>
           </a:p>
         </p:txBody>
@@ -8880,9 +9309,9 @@
           <a:bodyPr/>
           <a:lstStyle/>
           <a:p>
-            <a:fld id="{334B1B8A-5464-4087-BA72-9BF624DAFB52}" type="datetimeFigureOut">
+            <a:fld id="{C7CD5DF0-D930-4A34-8392-585A67A6F82A}" type="datetime1">
               <a:rPr lang="de-DE" smtClean="0"/>
-              <a:t>28.01.2016</a:t>
+              <a:t>29.01.2016</a:t>
             </a:fld>
             <a:endParaRPr lang="de-DE"/>
           </a:p>
@@ -8903,6 +9332,10 @@
           <a:bodyPr/>
           <a:lstStyle/>
           <a:p>
+            <a:r>
+              <a:rPr lang="de-DE" smtClean="0"/>
+              <a:t>SFS Projekt WS 15/16</a:t>
+            </a:r>
             <a:endParaRPr lang="de-DE"/>
           </a:p>
         </p:txBody>
@@ -8998,9 +9431,9 @@
           <a:bodyPr/>
           <a:lstStyle/>
           <a:p>
-            <a:fld id="{334B1B8A-5464-4087-BA72-9BF624DAFB52}" type="datetimeFigureOut">
+            <a:fld id="{1249BFBC-2EFA-4AC4-994A-6C7E34E03AFE}" type="datetime1">
               <a:rPr lang="de-DE" smtClean="0"/>
-              <a:t>28.01.2016</a:t>
+              <a:t>29.01.2016</a:t>
             </a:fld>
             <a:endParaRPr lang="de-DE"/>
           </a:p>
@@ -9021,6 +9454,10 @@
           <a:bodyPr/>
           <a:lstStyle/>
           <a:p>
+            <a:r>
+              <a:rPr lang="de-DE" smtClean="0"/>
+              <a:t>SFS Projekt WS 15/16</a:t>
+            </a:r>
             <a:endParaRPr lang="de-DE"/>
           </a:p>
         </p:txBody>
@@ -9169,9 +9606,9 @@
           <a:bodyPr/>
           <a:lstStyle/>
           <a:p>
-            <a:fld id="{334B1B8A-5464-4087-BA72-9BF624DAFB52}" type="datetimeFigureOut">
+            <a:fld id="{ABFAEE67-F66D-421C-9725-B7DD85D2AF50}" type="datetime1">
               <a:rPr lang="de-DE" smtClean="0"/>
-              <a:t>28.01.2016</a:t>
+              <a:t>29.01.2016</a:t>
             </a:fld>
             <a:endParaRPr lang="de-DE"/>
           </a:p>
@@ -9200,6 +9637,10 @@
             </a:lvl1pPr>
           </a:lstStyle>
           <a:p>
+            <a:r>
+              <a:rPr lang="de-DE" smtClean="0"/>
+              <a:t>SFS Projekt WS 15/16</a:t>
+            </a:r>
             <a:endParaRPr lang="de-DE"/>
           </a:p>
         </p:txBody>
@@ -9428,9 +9869,9 @@
           <a:bodyPr/>
           <a:lstStyle/>
           <a:p>
-            <a:fld id="{334B1B8A-5464-4087-BA72-9BF624DAFB52}" type="datetimeFigureOut">
+            <a:fld id="{D3AA0325-C8A9-46E0-9F17-FFA826226222}" type="datetime1">
               <a:rPr lang="de-DE" smtClean="0"/>
-              <a:t>28.01.2016</a:t>
+              <a:t>29.01.2016</a:t>
             </a:fld>
             <a:endParaRPr lang="de-DE"/>
           </a:p>
@@ -9451,6 +9892,10 @@
           <a:bodyPr/>
           <a:lstStyle/>
           <a:p>
+            <a:r>
+              <a:rPr lang="de-DE" smtClean="0"/>
+              <a:t>SFS Projekt WS 15/16</a:t>
+            </a:r>
             <a:endParaRPr lang="de-DE"/>
           </a:p>
         </p:txBody>
@@ -9774,9 +10219,9 @@
             </a:lvl1pPr>
           </a:lstStyle>
           <a:p>
-            <a:fld id="{334B1B8A-5464-4087-BA72-9BF624DAFB52}" type="datetimeFigureOut">
+            <a:fld id="{2D7B4F7F-391C-4DAA-AF84-2148F36B286F}" type="datetime1">
               <a:rPr lang="de-DE" smtClean="0"/>
-              <a:t>28.01.2016</a:t>
+              <a:t>29.01.2016</a:t>
             </a:fld>
             <a:endParaRPr lang="de-DE"/>
           </a:p>
@@ -9810,6 +10255,10 @@
             </a:lvl1pPr>
           </a:lstStyle>
           <a:p>
+            <a:r>
+              <a:rPr lang="de-DE" smtClean="0"/>
+              <a:t>SFS Projekt WS 15/16</a:t>
+            </a:r>
             <a:endParaRPr lang="de-DE"/>
           </a:p>
         </p:txBody>
@@ -10151,9 +10600,9 @@
           <a:bodyPr/>
           <a:lstStyle/>
           <a:p>
-            <a:fld id="{334B1B8A-5464-4087-BA72-9BF624DAFB52}" type="datetimeFigureOut">
+            <a:fld id="{D3F1A38D-2569-45ED-9C52-53B2B319885D}" type="datetime1">
               <a:rPr lang="de-DE" smtClean="0"/>
-              <a:t>28.01.2016</a:t>
+              <a:t>29.01.2016</a:t>
             </a:fld>
             <a:endParaRPr lang="de-DE"/>
           </a:p>
@@ -10174,6 +10623,10 @@
           <a:bodyPr/>
           <a:lstStyle/>
           <a:p>
+            <a:r>
+              <a:rPr lang="de-DE" smtClean="0"/>
+              <a:t>SFS Projekt WS 15/16</a:t>
+            </a:r>
             <a:endParaRPr lang="de-DE"/>
           </a:p>
         </p:txBody>
@@ -10321,9 +10774,9 @@
           <a:bodyPr/>
           <a:lstStyle/>
           <a:p>
-            <a:fld id="{334B1B8A-5464-4087-BA72-9BF624DAFB52}" type="datetimeFigureOut">
+            <a:fld id="{9630CEED-7CE6-4009-9471-73A8E0E8EAE1}" type="datetime1">
               <a:rPr lang="de-DE" smtClean="0"/>
-              <a:t>28.01.2016</a:t>
+              <a:t>29.01.2016</a:t>
             </a:fld>
             <a:endParaRPr lang="de-DE"/>
           </a:p>
@@ -10344,6 +10797,10 @@
           <a:bodyPr/>
           <a:lstStyle/>
           <a:p>
+            <a:r>
+              <a:rPr lang="de-DE" smtClean="0"/>
+              <a:t>SFS Projekt WS 15/16</a:t>
+            </a:r>
             <a:endParaRPr lang="de-DE"/>
           </a:p>
         </p:txBody>
@@ -10577,9 +11034,9 @@
           <a:bodyPr/>
           <a:lstStyle/>
           <a:p>
-            <a:fld id="{334B1B8A-5464-4087-BA72-9BF624DAFB52}" type="datetimeFigureOut">
+            <a:fld id="{8362C4CA-3E52-4930-A7E1-9EACE1244FEC}" type="datetime1">
               <a:rPr lang="de-DE" smtClean="0"/>
-              <a:t>28.01.2016</a:t>
+              <a:t>29.01.2016</a:t>
             </a:fld>
             <a:endParaRPr lang="de-DE"/>
           </a:p>
@@ -10600,6 +11057,10 @@
           <a:bodyPr/>
           <a:lstStyle/>
           <a:p>
+            <a:r>
+              <a:rPr lang="de-DE" smtClean="0"/>
+              <a:t>SFS Projekt WS 15/16</a:t>
+            </a:r>
             <a:endParaRPr lang="de-DE"/>
           </a:p>
         </p:txBody>
@@ -10809,9 +11270,9 @@
           <a:bodyPr/>
           <a:lstStyle/>
           <a:p>
-            <a:fld id="{334B1B8A-5464-4087-BA72-9BF624DAFB52}" type="datetimeFigureOut">
+            <a:fld id="{EF3EDB08-C7BF-48D0-B0CD-DC5FFDCD3039}" type="datetime1">
               <a:rPr lang="de-DE" smtClean="0"/>
-              <a:t>28.01.2016</a:t>
+              <a:t>29.01.2016</a:t>
             </a:fld>
             <a:endParaRPr lang="de-DE"/>
           </a:p>
@@ -10832,6 +11293,10 @@
           <a:bodyPr/>
           <a:lstStyle/>
           <a:p>
+            <a:r>
+              <a:rPr lang="de-DE" smtClean="0"/>
+              <a:t>SFS Projekt WS 15/16</a:t>
+            </a:r>
             <a:endParaRPr lang="de-DE"/>
           </a:p>
         </p:txBody>
@@ -11156,9 +11621,9 @@
           <a:bodyPr/>
           <a:lstStyle/>
           <a:p>
-            <a:fld id="{334B1B8A-5464-4087-BA72-9BF624DAFB52}" type="datetimeFigureOut">
+            <a:fld id="{16AE7BF1-5F89-42A1-A662-3C1CF5A376E6}" type="datetime1">
               <a:rPr lang="de-DE" smtClean="0"/>
-              <a:t>28.01.2016</a:t>
+              <a:t>29.01.2016</a:t>
             </a:fld>
             <a:endParaRPr lang="de-DE"/>
           </a:p>
@@ -11179,6 +11644,10 @@
           <a:bodyPr/>
           <a:lstStyle/>
           <a:p>
+            <a:r>
+              <a:rPr lang="de-DE" smtClean="0"/>
+              <a:t>SFS Projekt WS 15/16</a:t>
+            </a:r>
             <a:endParaRPr lang="de-DE"/>
           </a:p>
         </p:txBody>
@@ -11274,9 +11743,9 @@
           <a:bodyPr/>
           <a:lstStyle/>
           <a:p>
-            <a:fld id="{334B1B8A-5464-4087-BA72-9BF624DAFB52}" type="datetimeFigureOut">
+            <a:fld id="{37C738A3-E9B7-4977-BEDE-D50492EB6B69}" type="datetime1">
               <a:rPr lang="de-DE" smtClean="0"/>
-              <a:t>28.01.2016</a:t>
+              <a:t>29.01.2016</a:t>
             </a:fld>
             <a:endParaRPr lang="de-DE"/>
           </a:p>
@@ -11297,6 +11766,10 @@
           <a:bodyPr/>
           <a:lstStyle/>
           <a:p>
+            <a:r>
+              <a:rPr lang="de-DE" smtClean="0"/>
+              <a:t>SFS Projekt WS 15/16</a:t>
+            </a:r>
             <a:endParaRPr lang="de-DE"/>
           </a:p>
         </p:txBody>
@@ -11392,9 +11865,9 @@
           <a:bodyPr/>
           <a:lstStyle/>
           <a:p>
-            <a:fld id="{334B1B8A-5464-4087-BA72-9BF624DAFB52}" type="datetimeFigureOut">
+            <a:fld id="{6C5366D8-5A4E-46FB-826A-0BE4657F363D}" type="datetime1">
               <a:rPr lang="de-DE" smtClean="0"/>
-              <a:t>28.01.2016</a:t>
+              <a:t>29.01.2016</a:t>
             </a:fld>
             <a:endParaRPr lang="de-DE"/>
           </a:p>
@@ -11415,6 +11888,10 @@
           <a:bodyPr/>
           <a:lstStyle/>
           <a:p>
+            <a:r>
+              <a:rPr lang="de-DE" smtClean="0"/>
+              <a:t>SFS Projekt WS 15/16</a:t>
+            </a:r>
             <a:endParaRPr lang="de-DE"/>
           </a:p>
         </p:txBody>
@@ -11676,9 +12153,9 @@
           <a:bodyPr/>
           <a:lstStyle/>
           <a:p>
-            <a:fld id="{334B1B8A-5464-4087-BA72-9BF624DAFB52}" type="datetimeFigureOut">
+            <a:fld id="{031C858F-61AB-439E-A3D6-0DB8200F6340}" type="datetime1">
               <a:rPr lang="de-DE" smtClean="0"/>
-              <a:t>28.01.2016</a:t>
+              <a:t>29.01.2016</a:t>
             </a:fld>
             <a:endParaRPr lang="de-DE"/>
           </a:p>
@@ -11699,6 +12176,10 @@
           <a:bodyPr/>
           <a:lstStyle/>
           <a:p>
+            <a:r>
+              <a:rPr lang="de-DE" smtClean="0"/>
+              <a:t>SFS Projekt WS 15/16</a:t>
+            </a:r>
             <a:endParaRPr lang="de-DE"/>
           </a:p>
         </p:txBody>
@@ -11940,9 +12421,9 @@
           <a:bodyPr/>
           <a:lstStyle/>
           <a:p>
-            <a:fld id="{334B1B8A-5464-4087-BA72-9BF624DAFB52}" type="datetimeFigureOut">
+            <a:fld id="{DC58000F-F143-4586-B014-7C346F3885D6}" type="datetime1">
               <a:rPr lang="de-DE" smtClean="0"/>
-              <a:t>28.01.2016</a:t>
+              <a:t>29.01.2016</a:t>
             </a:fld>
             <a:endParaRPr lang="de-DE"/>
           </a:p>
@@ -11963,6 +12444,10 @@
           <a:bodyPr/>
           <a:lstStyle/>
           <a:p>
+            <a:r>
+              <a:rPr lang="de-DE" smtClean="0"/>
+              <a:t>SFS Projekt WS 15/16</a:t>
+            </a:r>
             <a:endParaRPr lang="de-DE"/>
           </a:p>
         </p:txBody>
@@ -12154,9 +12639,9 @@
             </a:lvl1pPr>
           </a:lstStyle>
           <a:p>
-            <a:fld id="{334B1B8A-5464-4087-BA72-9BF624DAFB52}" type="datetimeFigureOut">
+            <a:fld id="{128A9667-00F1-4E36-A0D3-9B34578EA1F8}" type="datetime1">
               <a:rPr lang="de-DE" smtClean="0"/>
-              <a:t>28.01.2016</a:t>
+              <a:t>29.01.2016</a:t>
             </a:fld>
             <a:endParaRPr lang="de-DE"/>
           </a:p>
@@ -12196,6 +12681,10 @@
             </a:lvl1pPr>
           </a:lstStyle>
           <a:p>
+            <a:r>
+              <a:rPr lang="de-DE" smtClean="0"/>
+              <a:t>SFS Projekt WS 15/16</a:t>
+            </a:r>
             <a:endParaRPr lang="de-DE"/>
           </a:p>
         </p:txBody>
@@ -12262,6 +12751,7 @@
     <p:sldLayoutId id="2147483831" r:id="rId10"/>
     <p:sldLayoutId id="2147483832" r:id="rId11"/>
   </p:sldLayoutIdLst>
+  <p:hf hdr="0" dt="0"/>
   <p:txStyles>
     <p:titleStyle>
       <a:lvl1pPr algn="l" defTabSz="914400" rtl="0" eaLnBrk="1" latinLnBrk="0" hangingPunct="1">
@@ -12530,7 +13020,7 @@
       </a:lvl9pPr>
     </p:otherStyle>
   </p:txStyles>
-  <p:extLst>
+  <p:extLst mod="1">
     <p:ext uri="{27BBF7A9-308A-43DC-89C8-2F10F3537804}">
       <p15:sldGuideLst xmlns:p15="http://schemas.microsoft.com/office/powerpoint/2012/main"/>
     </p:ext>
@@ -12689,9 +13179,9 @@
             </a:lvl1pPr>
           </a:lstStyle>
           <a:p>
-            <a:fld id="{334B1B8A-5464-4087-BA72-9BF624DAFB52}" type="datetimeFigureOut">
+            <a:fld id="{B63745A5-61EA-424A-BEE1-DD9DECE63978}" type="datetime1">
               <a:rPr lang="de-DE" smtClean="0"/>
-              <a:t>28.01.2016</a:t>
+              <a:t>29.01.2016</a:t>
             </a:fld>
             <a:endParaRPr lang="de-DE"/>
           </a:p>
@@ -12731,6 +13221,10 @@
             </a:lvl1pPr>
           </a:lstStyle>
           <a:p>
+            <a:r>
+              <a:rPr lang="de-DE" smtClean="0"/>
+              <a:t>SFS Projekt WS 15/16</a:t>
+            </a:r>
             <a:endParaRPr lang="de-DE"/>
           </a:p>
         </p:txBody>
@@ -12797,6 +13291,7 @@
     <p:sldLayoutId id="2147483843" r:id="rId10"/>
     <p:sldLayoutId id="2147483844" r:id="rId11"/>
   </p:sldLayoutIdLst>
+  <p:hf hdr="0" dt="0"/>
   <p:txStyles>
     <p:titleStyle>
       <a:lvl1pPr algn="l" defTabSz="914400" rtl="0" eaLnBrk="1" latinLnBrk="0" hangingPunct="1">
@@ -13065,7 +13560,7 @@
       </a:lvl9pPr>
     </p:otherStyle>
   </p:txStyles>
-  <p:extLst>
+  <p:extLst mod="1">
     <p:ext uri="{27BBF7A9-308A-43DC-89C8-2F10F3537804}">
       <p15:sldGuideLst xmlns:p15="http://schemas.microsoft.com/office/powerpoint/2012/main"/>
     </p:ext>
@@ -13297,9 +13792,9 @@
             </a:lvl1pPr>
           </a:lstStyle>
           <a:p>
-            <a:fld id="{334B1B8A-5464-4087-BA72-9BF624DAFB52}" type="datetimeFigureOut">
+            <a:fld id="{5F892BFB-7328-45EE-BD3F-79EE20B4B7E2}" type="datetime1">
               <a:rPr lang="de-DE" smtClean="0"/>
-              <a:t>28.01.2016</a:t>
+              <a:t>29.01.2016</a:t>
             </a:fld>
             <a:endParaRPr lang="de-DE"/>
           </a:p>
@@ -13336,6 +13831,10 @@
             </a:lvl1pPr>
           </a:lstStyle>
           <a:p>
+            <a:r>
+              <a:rPr lang="de-DE" smtClean="0"/>
+              <a:t>SFS Projekt WS 15/16</a:t>
+            </a:r>
             <a:endParaRPr lang="de-DE"/>
           </a:p>
         </p:txBody>
@@ -13438,6 +13937,7 @@
     <p:sldLayoutId id="2147483879" r:id="rId10"/>
     <p:sldLayoutId id="2147483880" r:id="rId11"/>
   </p:sldLayoutIdLst>
+  <p:hf hdr="0" dt="0"/>
   <p:txStyles>
     <p:titleStyle>
       <a:lvl1pPr algn="l" defTabSz="914400" rtl="0" eaLnBrk="1" latinLnBrk="0" hangingPunct="1">
@@ -13803,7 +14303,7 @@
       </a:lvl9pPr>
     </p:otherStyle>
   </p:txStyles>
-  <p:extLst>
+  <p:extLst mod="1">
     <p:ext uri="{27BBF7A9-308A-43DC-89C8-2F10F3537804}">
       <p15:sldGuideLst xmlns:p15="http://schemas.microsoft.com/office/powerpoint/2012/main"/>
     </p:ext>
@@ -14013,7 +14513,22 @@
             </a:r>
             <a:r>
               <a:rPr lang="en-US" dirty="0" smtClean="0"/>
-              <a:t> Wrappers for the certified native algorithms but also managed implementations</a:t>
+              <a:t> Wrappers for the </a:t>
+            </a:r>
+            <a:r>
+              <a:rPr lang="en-US" dirty="0" smtClean="0"/>
+              <a:t>certified</a:t>
+            </a:r>
+            <a:br>
+              <a:rPr lang="en-US" dirty="0" smtClean="0"/>
+            </a:br>
+            <a:r>
+              <a:rPr lang="en-US" dirty="0" smtClean="0"/>
+              <a:t>native </a:t>
+            </a:r>
+            <a:r>
+              <a:rPr lang="en-US" dirty="0" smtClean="0"/>
+              <a:t>algorithms but also managed implementations</a:t>
             </a:r>
           </a:p>
         </p:txBody>
@@ -14034,7 +14549,7 @@
         </p:blipFill>
         <p:spPr>
           <a:xfrm>
-            <a:off x="7485579" y="433400"/>
+            <a:off x="7161014" y="1845734"/>
             <a:ext cx="4462376" cy="2784450"/>
           </a:xfrm>
           <a:prstGeom prst="rect">
@@ -14042,6 +14557,84 @@
           </a:prstGeom>
         </p:spPr>
       </p:pic>
+      <p:sp>
+        <p:nvSpPr>
+          <p:cNvPr id="5" name="Footer Placeholder 4"/>
+          <p:cNvSpPr>
+            <a:spLocks noGrp="1"/>
+          </p:cNvSpPr>
+          <p:nvPr>
+            <p:ph type="ftr" sz="quarter" idx="11"/>
+          </p:nvPr>
+        </p:nvSpPr>
+        <p:spPr/>
+        <p:txBody>
+          <a:bodyPr/>
+          <a:lstStyle/>
+          <a:p>
+            <a:r>
+              <a:rPr lang="de-DE" smtClean="0"/>
+              <a:t>SFS Projekt WS 15/16</a:t>
+            </a:r>
+            <a:endParaRPr lang="de-DE"/>
+          </a:p>
+        </p:txBody>
+      </p:sp>
+      <p:sp>
+        <p:nvSpPr>
+          <p:cNvPr id="6" name="Slide Number Placeholder 5"/>
+          <p:cNvSpPr>
+            <a:spLocks noGrp="1"/>
+          </p:cNvSpPr>
+          <p:nvPr>
+            <p:ph type="sldNum" sz="quarter" idx="12"/>
+          </p:nvPr>
+        </p:nvSpPr>
+        <p:spPr/>
+        <p:txBody>
+          <a:bodyPr/>
+          <a:lstStyle/>
+          <a:p>
+            <a:fld id="{9AEF27FF-4425-4951-B315-254CC017DFBE}" type="slidenum">
+              <a:rPr lang="de-DE" smtClean="0"/>
+              <a:t>2</a:t>
+            </a:fld>
+            <a:endParaRPr lang="de-DE"/>
+          </a:p>
+        </p:txBody>
+      </p:sp>
+      <p:sp>
+        <p:nvSpPr>
+          <p:cNvPr id="7" name="TextBox 6"/>
+          <p:cNvSpPr txBox="1"/>
+          <p:nvPr/>
+        </p:nvSpPr>
+        <p:spPr>
+          <a:xfrm>
+            <a:off x="7464430" y="4579281"/>
+            <a:ext cx="3855543" cy="230832"/>
+          </a:xfrm>
+          <a:prstGeom prst="rect">
+            <a:avLst/>
+          </a:prstGeom>
+          <a:noFill/>
+        </p:spPr>
+        <p:txBody>
+          <a:bodyPr wrap="none" rtlCol="0">
+            <a:spAutoFit/>
+          </a:bodyPr>
+          <a:lstStyle/>
+          <a:p>
+            <a:r>
+              <a:rPr lang="de-DE" sz="900" dirty="0">
+                <a:hlinkClick r:id="rId3"/>
+              </a:rPr>
+              <a:t>https://www.cdc.informatik.tu-darmstadt.de/reports/reports/vest.diplom.pdf</a:t>
+            </a:r>
+            <a:endParaRPr lang="de-DE" sz="900" dirty="0"/>
+          </a:p>
+        </p:txBody>
+      </p:sp>
     </p:spTree>
     <p:extLst>
       <p:ext uri="{BB962C8B-B14F-4D97-AF65-F5344CB8AC3E}">
@@ -14130,6 +14723,52 @@
           </a:graphicData>
         </a:graphic>
       </p:graphicFrame>
+      <p:sp>
+        <p:nvSpPr>
+          <p:cNvPr id="3" name="Footer Placeholder 2"/>
+          <p:cNvSpPr>
+            <a:spLocks noGrp="1"/>
+          </p:cNvSpPr>
+          <p:nvPr>
+            <p:ph type="ftr" sz="quarter" idx="11"/>
+          </p:nvPr>
+        </p:nvSpPr>
+        <p:spPr/>
+        <p:txBody>
+          <a:bodyPr/>
+          <a:lstStyle/>
+          <a:p>
+            <a:r>
+              <a:rPr lang="de-DE" smtClean="0"/>
+              <a:t>SFS Projekt WS 15/16</a:t>
+            </a:r>
+            <a:endParaRPr lang="de-DE"/>
+          </a:p>
+        </p:txBody>
+      </p:sp>
+      <p:sp>
+        <p:nvSpPr>
+          <p:cNvPr id="5" name="Slide Number Placeholder 4"/>
+          <p:cNvSpPr>
+            <a:spLocks noGrp="1"/>
+          </p:cNvSpPr>
+          <p:nvPr>
+            <p:ph type="sldNum" sz="quarter" idx="12"/>
+          </p:nvPr>
+        </p:nvSpPr>
+        <p:spPr/>
+        <p:txBody>
+          <a:bodyPr/>
+          <a:lstStyle/>
+          <a:p>
+            <a:fld id="{9AEF27FF-4425-4951-B315-254CC017DFBE}" type="slidenum">
+              <a:rPr lang="de-DE" smtClean="0"/>
+              <a:t>3</a:t>
+            </a:fld>
+            <a:endParaRPr lang="de-DE"/>
+          </a:p>
+        </p:txBody>
+      </p:sp>
     </p:spTree>
     <p:extLst>
       <p:ext uri="{BB962C8B-B14F-4D97-AF65-F5344CB8AC3E}">
@@ -14448,6 +15087,52 @@
           </a:graphicData>
         </a:graphic>
       </p:graphicFrame>
+      <p:sp>
+        <p:nvSpPr>
+          <p:cNvPr id="5" name="Footer Placeholder 4"/>
+          <p:cNvSpPr>
+            <a:spLocks noGrp="1"/>
+          </p:cNvSpPr>
+          <p:nvPr>
+            <p:ph type="ftr" sz="quarter" idx="11"/>
+          </p:nvPr>
+        </p:nvSpPr>
+        <p:spPr/>
+        <p:txBody>
+          <a:bodyPr/>
+          <a:lstStyle/>
+          <a:p>
+            <a:r>
+              <a:rPr lang="de-DE" smtClean="0"/>
+              <a:t>SFS Projekt WS 15/16</a:t>
+            </a:r>
+            <a:endParaRPr lang="de-DE"/>
+          </a:p>
+        </p:txBody>
+      </p:sp>
+      <p:sp>
+        <p:nvSpPr>
+          <p:cNvPr id="6" name="Slide Number Placeholder 5"/>
+          <p:cNvSpPr>
+            <a:spLocks noGrp="1"/>
+          </p:cNvSpPr>
+          <p:nvPr>
+            <p:ph type="sldNum" sz="quarter" idx="12"/>
+          </p:nvPr>
+        </p:nvSpPr>
+        <p:spPr/>
+        <p:txBody>
+          <a:bodyPr/>
+          <a:lstStyle/>
+          <a:p>
+            <a:fld id="{9AEF27FF-4425-4951-B315-254CC017DFBE}" type="slidenum">
+              <a:rPr lang="de-DE" smtClean="0"/>
+              <a:t>4</a:t>
+            </a:fld>
+            <a:endParaRPr lang="de-DE"/>
+          </a:p>
+        </p:txBody>
+      </p:sp>
     </p:spTree>
     <p:extLst>
       <p:ext uri="{BB962C8B-B14F-4D97-AF65-F5344CB8AC3E}">
@@ -14520,6 +15205,52 @@
           </a:p>
         </p:txBody>
       </p:sp>
+      <p:sp>
+        <p:nvSpPr>
+          <p:cNvPr id="3" name="Footer Placeholder 2"/>
+          <p:cNvSpPr>
+            <a:spLocks noGrp="1"/>
+          </p:cNvSpPr>
+          <p:nvPr>
+            <p:ph type="ftr" sz="quarter" idx="11"/>
+          </p:nvPr>
+        </p:nvSpPr>
+        <p:spPr/>
+        <p:txBody>
+          <a:bodyPr/>
+          <a:lstStyle/>
+          <a:p>
+            <a:r>
+              <a:rPr lang="de-DE" smtClean="0"/>
+              <a:t>SFS Projekt WS 15/16</a:t>
+            </a:r>
+            <a:endParaRPr lang="de-DE"/>
+          </a:p>
+        </p:txBody>
+      </p:sp>
+      <p:sp>
+        <p:nvSpPr>
+          <p:cNvPr id="5" name="Slide Number Placeholder 4"/>
+          <p:cNvSpPr>
+            <a:spLocks noGrp="1"/>
+          </p:cNvSpPr>
+          <p:nvPr>
+            <p:ph type="sldNum" sz="quarter" idx="12"/>
+          </p:nvPr>
+        </p:nvSpPr>
+        <p:spPr/>
+        <p:txBody>
+          <a:bodyPr/>
+          <a:lstStyle/>
+          <a:p>
+            <a:fld id="{9AEF27FF-4425-4951-B315-254CC017DFBE}" type="slidenum">
+              <a:rPr lang="de-DE" smtClean="0"/>
+              <a:t>5</a:t>
+            </a:fld>
+            <a:endParaRPr lang="de-DE"/>
+          </a:p>
+        </p:txBody>
+      </p:sp>
     </p:spTree>
     <p:extLst>
       <p:ext uri="{BB962C8B-B14F-4D97-AF65-F5344CB8AC3E}">
@@ -14583,13 +15314,13 @@
             <p:ph idx="1"/>
             <p:extLst>
               <p:ext uri="{D42A27DB-BD31-4B8C-83A1-F6EECF244321}">
-                <p14:modId xmlns:p14="http://schemas.microsoft.com/office/powerpoint/2010/main" val="1211306458"/>
+                <p14:modId xmlns:p14="http://schemas.microsoft.com/office/powerpoint/2010/main" val="1028646910"/>
               </p:ext>
             </p:extLst>
           </p:nvPr>
         </p:nvGraphicFramePr>
         <p:xfrm>
-          <a:off x="6600786" y="3495640"/>
+          <a:off x="6600786" y="3553445"/>
           <a:ext cx="1933755" cy="534442"/>
         </p:xfrm>
         <a:graphic>
@@ -14674,7 +15405,7 @@
         </p:nvSpPr>
         <p:spPr>
           <a:xfrm>
-            <a:off x="1300509" y="3025302"/>
+            <a:off x="1300509" y="3083107"/>
             <a:ext cx="1440000" cy="1440000"/>
           </a:xfrm>
           <a:prstGeom prst="ellipse">
@@ -14716,7 +15447,7 @@
         </p:nvSpPr>
         <p:spPr>
           <a:xfrm>
-            <a:off x="4156688" y="3042861"/>
+            <a:off x="4156688" y="3100666"/>
             <a:ext cx="1440000" cy="1440000"/>
           </a:xfrm>
           <a:prstGeom prst="ellipse">
@@ -14761,7 +15492,7 @@
         </p:nvCxnSpPr>
         <p:spPr>
           <a:xfrm rot="16200000" flipH="1">
-            <a:off x="3439818" y="2325992"/>
+            <a:off x="3439818" y="2383797"/>
             <a:ext cx="17559" cy="1837945"/>
           </a:xfrm>
           <a:prstGeom prst="curvedConnector3">
@@ -14799,7 +15530,7 @@
         </p:nvCxnSpPr>
         <p:spPr>
           <a:xfrm rot="5400000" flipH="1">
-            <a:off x="3439819" y="3344227"/>
+            <a:off x="3439819" y="3402032"/>
             <a:ext cx="17559" cy="1837945"/>
           </a:xfrm>
           <a:prstGeom prst="curvedConnector3">
@@ -14834,7 +15565,7 @@
         </p:nvCxnSpPr>
         <p:spPr>
           <a:xfrm>
-            <a:off x="3383538" y="1690688"/>
+            <a:off x="3383538" y="1832573"/>
             <a:ext cx="22049" cy="4232784"/>
           </a:xfrm>
           <a:prstGeom prst="line">
@@ -14867,7 +15598,7 @@
         </p:nvSpPr>
         <p:spPr>
           <a:xfrm>
-            <a:off x="2756056" y="2365656"/>
+            <a:off x="2756056" y="2423461"/>
             <a:ext cx="1265475" cy="369332"/>
           </a:xfrm>
           <a:prstGeom prst="rect">
@@ -14897,7 +15628,7 @@
         </p:nvSpPr>
         <p:spPr>
           <a:xfrm>
-            <a:off x="2962037" y="4799240"/>
+            <a:off x="2962037" y="4857045"/>
             <a:ext cx="875561" cy="369332"/>
           </a:xfrm>
           <a:prstGeom prst="rect">
@@ -14930,7 +15661,7 @@
         </p:nvCxnSpPr>
         <p:spPr>
           <a:xfrm rot="16200000" flipV="1">
-            <a:off x="6355786" y="2283763"/>
+            <a:off x="6355786" y="2341568"/>
             <a:ext cx="241896" cy="2181858"/>
           </a:xfrm>
           <a:prstGeom prst="curvedConnector3">
@@ -14965,7 +15696,7 @@
         </p:nvSpPr>
         <p:spPr>
           <a:xfrm>
-            <a:off x="6096000" y="2466061"/>
+            <a:off x="6096000" y="2523866"/>
             <a:ext cx="653512" cy="369332"/>
           </a:xfrm>
           <a:prstGeom prst="rect">
@@ -14995,7 +15726,7 @@
         </p:nvSpPr>
         <p:spPr>
           <a:xfrm>
-            <a:off x="9730539" y="3412053"/>
+            <a:off x="9730539" y="3469858"/>
             <a:ext cx="1915064" cy="701616"/>
           </a:xfrm>
           <a:prstGeom prst="rect">
@@ -15040,7 +15771,7 @@
         </p:nvCxnSpPr>
         <p:spPr>
           <a:xfrm rot="5400000" flipH="1">
-            <a:off x="9086073" y="2511672"/>
+            <a:off x="9086073" y="2569477"/>
             <a:ext cx="83587" cy="3120408"/>
           </a:xfrm>
           <a:prstGeom prst="curvedConnector3">
@@ -15075,7 +15806,7 @@
         </p:nvSpPr>
         <p:spPr>
           <a:xfrm>
-            <a:off x="8774852" y="4429908"/>
+            <a:off x="8774852" y="4487713"/>
             <a:ext cx="706027" cy="369332"/>
           </a:xfrm>
           <a:prstGeom prst="rect">
@@ -15105,7 +15836,7 @@
         </p:nvSpPr>
         <p:spPr>
           <a:xfrm>
-            <a:off x="4708730" y="5150573"/>
+            <a:off x="4708730" y="5208378"/>
             <a:ext cx="3481915" cy="954107"/>
           </a:xfrm>
           <a:prstGeom prst="rect">
@@ -15141,7 +15872,7 @@
         </p:nvCxnSpPr>
         <p:spPr>
           <a:xfrm>
-            <a:off x="9099095" y="1787318"/>
+            <a:off x="9099095" y="1845123"/>
             <a:ext cx="22049" cy="4232784"/>
           </a:xfrm>
           <a:prstGeom prst="line">
@@ -15174,7 +15905,7 @@
         </p:nvSpPr>
         <p:spPr>
           <a:xfrm>
-            <a:off x="8631581" y="3236184"/>
+            <a:off x="8631581" y="3293989"/>
             <a:ext cx="849298" cy="1266496"/>
           </a:xfrm>
           <a:prstGeom prst="lightningBolt">
@@ -15216,6 +15947,52 @@
           <a:lstStyle/>
           <a:p>
             <a:pPr algn="ctr"/>
+            <a:endParaRPr lang="de-DE"/>
+          </a:p>
+        </p:txBody>
+      </p:sp>
+      <p:sp>
+        <p:nvSpPr>
+          <p:cNvPr id="6" name="Footer Placeholder 5"/>
+          <p:cNvSpPr>
+            <a:spLocks noGrp="1"/>
+          </p:cNvSpPr>
+          <p:nvPr>
+            <p:ph type="ftr" sz="quarter" idx="11"/>
+          </p:nvPr>
+        </p:nvSpPr>
+        <p:spPr/>
+        <p:txBody>
+          <a:bodyPr/>
+          <a:lstStyle/>
+          <a:p>
+            <a:r>
+              <a:rPr lang="de-DE" smtClean="0"/>
+              <a:t>SFS Projekt WS 15/16</a:t>
+            </a:r>
+            <a:endParaRPr lang="de-DE"/>
+          </a:p>
+        </p:txBody>
+      </p:sp>
+      <p:sp>
+        <p:nvSpPr>
+          <p:cNvPr id="8" name="Slide Number Placeholder 7"/>
+          <p:cNvSpPr>
+            <a:spLocks noGrp="1"/>
+          </p:cNvSpPr>
+          <p:nvPr>
+            <p:ph type="sldNum" sz="quarter" idx="12"/>
+          </p:nvPr>
+        </p:nvSpPr>
+        <p:spPr/>
+        <p:txBody>
+          <a:bodyPr/>
+          <a:lstStyle/>
+          <a:p>
+            <a:fld id="{9AEF27FF-4425-4951-B315-254CC017DFBE}" type="slidenum">
+              <a:rPr lang="de-DE" smtClean="0"/>
+              <a:t>6</a:t>
+            </a:fld>
             <a:endParaRPr lang="de-DE"/>
           </a:p>
         </p:txBody>
@@ -15636,7 +16413,7 @@
         </p:nvCxnSpPr>
         <p:spPr>
           <a:xfrm>
-            <a:off x="3383538" y="1690688"/>
+            <a:off x="3383538" y="1921918"/>
             <a:ext cx="22049" cy="4232784"/>
           </a:xfrm>
           <a:prstGeom prst="line">
@@ -16340,6 +17117,52 @@
           <a:lstStyle/>
           <a:p>
             <a:pPr algn="ctr"/>
+            <a:endParaRPr lang="de-DE"/>
+          </a:p>
+        </p:txBody>
+      </p:sp>
+      <p:sp>
+        <p:nvSpPr>
+          <p:cNvPr id="6" name="Footer Placeholder 5"/>
+          <p:cNvSpPr>
+            <a:spLocks noGrp="1"/>
+          </p:cNvSpPr>
+          <p:nvPr>
+            <p:ph type="ftr" sz="quarter" idx="11"/>
+          </p:nvPr>
+        </p:nvSpPr>
+        <p:spPr/>
+        <p:txBody>
+          <a:bodyPr/>
+          <a:lstStyle/>
+          <a:p>
+            <a:r>
+              <a:rPr lang="de-DE" smtClean="0"/>
+              <a:t>SFS Projekt WS 15/16</a:t>
+            </a:r>
+            <a:endParaRPr lang="de-DE"/>
+          </a:p>
+        </p:txBody>
+      </p:sp>
+      <p:sp>
+        <p:nvSpPr>
+          <p:cNvPr id="8" name="Slide Number Placeholder 7"/>
+          <p:cNvSpPr>
+            <a:spLocks noGrp="1"/>
+          </p:cNvSpPr>
+          <p:nvPr>
+            <p:ph type="sldNum" sz="quarter" idx="12"/>
+          </p:nvPr>
+        </p:nvSpPr>
+        <p:spPr/>
+        <p:txBody>
+          <a:bodyPr/>
+          <a:lstStyle/>
+          <a:p>
+            <a:fld id="{9AEF27FF-4425-4951-B315-254CC017DFBE}" type="slidenum">
+              <a:rPr lang="de-DE" smtClean="0"/>
+              <a:t>7</a:t>
+            </a:fld>
             <a:endParaRPr lang="de-DE"/>
           </a:p>
         </p:txBody>
@@ -16760,7 +17583,7 @@
         </p:nvCxnSpPr>
         <p:spPr>
           <a:xfrm>
-            <a:off x="3383538" y="1690688"/>
+            <a:off x="3383538" y="1927168"/>
             <a:ext cx="22049" cy="4232784"/>
           </a:xfrm>
           <a:prstGeom prst="line">
@@ -17757,6 +18580,52 @@
               <a:t>Send Server Pub. Key</a:t>
             </a:r>
             <a:endParaRPr lang="de-DE" dirty="0"/>
+          </a:p>
+        </p:txBody>
+      </p:sp>
+      <p:sp>
+        <p:nvSpPr>
+          <p:cNvPr id="3" name="Footer Placeholder 2"/>
+          <p:cNvSpPr>
+            <a:spLocks noGrp="1"/>
+          </p:cNvSpPr>
+          <p:nvPr>
+            <p:ph type="ftr" sz="quarter" idx="11"/>
+          </p:nvPr>
+        </p:nvSpPr>
+        <p:spPr/>
+        <p:txBody>
+          <a:bodyPr/>
+          <a:lstStyle/>
+          <a:p>
+            <a:r>
+              <a:rPr lang="de-DE" smtClean="0"/>
+              <a:t>SFS Projekt WS 15/16</a:t>
+            </a:r>
+            <a:endParaRPr lang="de-DE"/>
+          </a:p>
+        </p:txBody>
+      </p:sp>
+      <p:sp>
+        <p:nvSpPr>
+          <p:cNvPr id="6" name="Slide Number Placeholder 5"/>
+          <p:cNvSpPr>
+            <a:spLocks noGrp="1"/>
+          </p:cNvSpPr>
+          <p:nvPr>
+            <p:ph type="sldNum" sz="quarter" idx="12"/>
+          </p:nvPr>
+        </p:nvSpPr>
+        <p:spPr/>
+        <p:txBody>
+          <a:bodyPr/>
+          <a:lstStyle/>
+          <a:p>
+            <a:fld id="{9AEF27FF-4425-4951-B315-254CC017DFBE}" type="slidenum">
+              <a:rPr lang="de-DE" smtClean="0"/>
+              <a:t>8</a:t>
+            </a:fld>
+            <a:endParaRPr lang="de-DE"/>
           </a:p>
         </p:txBody>
       </p:sp>
@@ -18632,4 +19501,265 @@
     </a:ext>
   </a:extLst>
 </a:theme>
+</file>
+
+<file path=ppt/theme/theme4.xml><?xml version="1.0" encoding="utf-8"?>
+<a:theme xmlns:a="http://schemas.openxmlformats.org/drawingml/2006/main" name="Office Theme">
+  <a:themeElements>
+    <a:clrScheme name="Office">
+      <a:dk1>
+        <a:sysClr val="windowText" lastClr="000000"/>
+      </a:dk1>
+      <a:lt1>
+        <a:sysClr val="window" lastClr="FFFFFF"/>
+      </a:lt1>
+      <a:dk2>
+        <a:srgbClr val="44546A"/>
+      </a:dk2>
+      <a:lt2>
+        <a:srgbClr val="E7E6E6"/>
+      </a:lt2>
+      <a:accent1>
+        <a:srgbClr val="5B9BD5"/>
+      </a:accent1>
+      <a:accent2>
+        <a:srgbClr val="ED7D31"/>
+      </a:accent2>
+      <a:accent3>
+        <a:srgbClr val="A5A5A5"/>
+      </a:accent3>
+      <a:accent4>
+        <a:srgbClr val="FFC000"/>
+      </a:accent4>
+      <a:accent5>
+        <a:srgbClr val="4472C4"/>
+      </a:accent5>
+      <a:accent6>
+        <a:srgbClr val="70AD47"/>
+      </a:accent6>
+      <a:hlink>
+        <a:srgbClr val="0563C1"/>
+      </a:hlink>
+      <a:folHlink>
+        <a:srgbClr val="954F72"/>
+      </a:folHlink>
+    </a:clrScheme>
+    <a:fontScheme name="Office">
+      <a:majorFont>
+        <a:latin typeface="Calibri Light" panose="020F0302020204030204"/>
+        <a:ea typeface=""/>
+        <a:cs typeface=""/>
+        <a:font script="Jpan" typeface="游ゴシック Light"/>
+        <a:font script="Hang" typeface="맑은 고딕"/>
+        <a:font script="Hans" typeface="等线 Light"/>
+        <a:font script="Hant" typeface="新細明體"/>
+        <a:font script="Arab" typeface="Times New Roman"/>
+        <a:font script="Hebr" typeface="Times New Roman"/>
+        <a:font script="Thai" typeface="Angsana New"/>
+        <a:font script="Ethi" typeface="Nyala"/>
+        <a:font script="Beng" typeface="Vrinda"/>
+        <a:font script="Gujr" typeface="Shruti"/>
+        <a:font script="Khmr" typeface="MoolBoran"/>
+        <a:font script="Knda" typeface="Tunga"/>
+        <a:font script="Guru" typeface="Raavi"/>
+        <a:font script="Cans" typeface="Euphemia"/>
+        <a:font script="Cher" typeface="Plantagenet Cherokee"/>
+        <a:font script="Yiii" typeface="Microsoft Yi Baiti"/>
+        <a:font script="Tibt" typeface="Microsoft Himalaya"/>
+        <a:font script="Thaa" typeface="MV Boli"/>
+        <a:font script="Deva" typeface="Mangal"/>
+        <a:font script="Telu" typeface="Gautami"/>
+        <a:font script="Taml" typeface="Latha"/>
+        <a:font script="Syrc" typeface="Estrangelo Edessa"/>
+        <a:font script="Orya" typeface="Kalinga"/>
+        <a:font script="Mlym" typeface="Kartika"/>
+        <a:font script="Laoo" typeface="DokChampa"/>
+        <a:font script="Sinh" typeface="Iskoola Pota"/>
+        <a:font script="Mong" typeface="Mongolian Baiti"/>
+        <a:font script="Viet" typeface="Times New Roman"/>
+        <a:font script="Uigh" typeface="Microsoft Uighur"/>
+        <a:font script="Geor" typeface="Sylfaen"/>
+      </a:majorFont>
+      <a:minorFont>
+        <a:latin typeface="Calibri" panose="020F0502020204030204"/>
+        <a:ea typeface=""/>
+        <a:cs typeface=""/>
+        <a:font script="Jpan" typeface="游ゴシック"/>
+        <a:font script="Hang" typeface="맑은 고딕"/>
+        <a:font script="Hans" typeface="等线"/>
+        <a:font script="Hant" typeface="新細明體"/>
+        <a:font script="Arab" typeface="Arial"/>
+        <a:font script="Hebr" typeface="Arial"/>
+        <a:font script="Thai" typeface="Cordia New"/>
+        <a:font script="Ethi" typeface="Nyala"/>
+        <a:font script="Beng" typeface="Vrinda"/>
+        <a:font script="Gujr" typeface="Shruti"/>
+        <a:font script="Khmr" typeface="DaunPenh"/>
+        <a:font script="Knda" typeface="Tunga"/>
+        <a:font script="Guru" typeface="Raavi"/>
+        <a:font script="Cans" typeface="Euphemia"/>
+        <a:font script="Cher" typeface="Plantagenet Cherokee"/>
+        <a:font script="Yiii" typeface="Microsoft Yi Baiti"/>
+        <a:font script="Tibt" typeface="Microsoft Himalaya"/>
+        <a:font script="Thaa" typeface="MV Boli"/>
+        <a:font script="Deva" typeface="Mangal"/>
+        <a:font script="Telu" typeface="Gautami"/>
+        <a:font script="Taml" typeface="Latha"/>
+        <a:font script="Syrc" typeface="Estrangelo Edessa"/>
+        <a:font script="Orya" typeface="Kalinga"/>
+        <a:font script="Mlym" typeface="Kartika"/>
+        <a:font script="Laoo" typeface="DokChampa"/>
+        <a:font script="Sinh" typeface="Iskoola Pota"/>
+        <a:font script="Mong" typeface="Mongolian Baiti"/>
+        <a:font script="Viet" typeface="Arial"/>
+        <a:font script="Uigh" typeface="Microsoft Uighur"/>
+        <a:font script="Geor" typeface="Sylfaen"/>
+      </a:minorFont>
+    </a:fontScheme>
+    <a:fmtScheme name="Office">
+      <a:fillStyleLst>
+        <a:solidFill>
+          <a:schemeClr val="phClr"/>
+        </a:solidFill>
+        <a:gradFill rotWithShape="1">
+          <a:gsLst>
+            <a:gs pos="0">
+              <a:schemeClr val="phClr">
+                <a:lumMod val="110000"/>
+                <a:satMod val="105000"/>
+                <a:tint val="67000"/>
+              </a:schemeClr>
+            </a:gs>
+            <a:gs pos="50000">
+              <a:schemeClr val="phClr">
+                <a:lumMod val="105000"/>
+                <a:satMod val="103000"/>
+                <a:tint val="73000"/>
+              </a:schemeClr>
+            </a:gs>
+            <a:gs pos="100000">
+              <a:schemeClr val="phClr">
+                <a:lumMod val="105000"/>
+                <a:satMod val="109000"/>
+                <a:tint val="81000"/>
+              </a:schemeClr>
+            </a:gs>
+          </a:gsLst>
+          <a:lin ang="5400000" scaled="0"/>
+        </a:gradFill>
+        <a:gradFill rotWithShape="1">
+          <a:gsLst>
+            <a:gs pos="0">
+              <a:schemeClr val="phClr">
+                <a:satMod val="103000"/>
+                <a:lumMod val="102000"/>
+                <a:tint val="94000"/>
+              </a:schemeClr>
+            </a:gs>
+            <a:gs pos="50000">
+              <a:schemeClr val="phClr">
+                <a:satMod val="110000"/>
+                <a:lumMod val="100000"/>
+                <a:shade val="100000"/>
+              </a:schemeClr>
+            </a:gs>
+            <a:gs pos="100000">
+              <a:schemeClr val="phClr">
+                <a:lumMod val="99000"/>
+                <a:satMod val="120000"/>
+                <a:shade val="78000"/>
+              </a:schemeClr>
+            </a:gs>
+          </a:gsLst>
+          <a:lin ang="5400000" scaled="0"/>
+        </a:gradFill>
+      </a:fillStyleLst>
+      <a:lnStyleLst>
+        <a:ln w="6350" cap="flat" cmpd="sng" algn="ctr">
+          <a:solidFill>
+            <a:schemeClr val="phClr"/>
+          </a:solidFill>
+          <a:prstDash val="solid"/>
+          <a:miter lim="800000"/>
+        </a:ln>
+        <a:ln w="12700" cap="flat" cmpd="sng" algn="ctr">
+          <a:solidFill>
+            <a:schemeClr val="phClr"/>
+          </a:solidFill>
+          <a:prstDash val="solid"/>
+          <a:miter lim="800000"/>
+        </a:ln>
+        <a:ln w="19050" cap="flat" cmpd="sng" algn="ctr">
+          <a:solidFill>
+            <a:schemeClr val="phClr"/>
+          </a:solidFill>
+          <a:prstDash val="solid"/>
+          <a:miter lim="800000"/>
+        </a:ln>
+      </a:lnStyleLst>
+      <a:effectStyleLst>
+        <a:effectStyle>
+          <a:effectLst/>
+        </a:effectStyle>
+        <a:effectStyle>
+          <a:effectLst/>
+        </a:effectStyle>
+        <a:effectStyle>
+          <a:effectLst>
+            <a:outerShdw blurRad="57150" dist="19050" dir="5400000" algn="ctr" rotWithShape="0">
+              <a:srgbClr val="000000">
+                <a:alpha val="63000"/>
+              </a:srgbClr>
+            </a:outerShdw>
+          </a:effectLst>
+        </a:effectStyle>
+      </a:effectStyleLst>
+      <a:bgFillStyleLst>
+        <a:solidFill>
+          <a:schemeClr val="phClr"/>
+        </a:solidFill>
+        <a:solidFill>
+          <a:schemeClr val="phClr">
+            <a:tint val="95000"/>
+            <a:satMod val="170000"/>
+          </a:schemeClr>
+        </a:solidFill>
+        <a:gradFill rotWithShape="1">
+          <a:gsLst>
+            <a:gs pos="0">
+              <a:schemeClr val="phClr">
+                <a:tint val="93000"/>
+                <a:satMod val="150000"/>
+                <a:shade val="98000"/>
+                <a:lumMod val="102000"/>
+              </a:schemeClr>
+            </a:gs>
+            <a:gs pos="50000">
+              <a:schemeClr val="phClr">
+                <a:tint val="98000"/>
+                <a:satMod val="130000"/>
+                <a:shade val="90000"/>
+                <a:lumMod val="103000"/>
+              </a:schemeClr>
+            </a:gs>
+            <a:gs pos="100000">
+              <a:schemeClr val="phClr">
+                <a:shade val="63000"/>
+                <a:satMod val="120000"/>
+              </a:schemeClr>
+            </a:gs>
+          </a:gsLst>
+          <a:lin ang="5400000" scaled="0"/>
+        </a:gradFill>
+      </a:bgFillStyleLst>
+    </a:fmtScheme>
+  </a:themeElements>
+  <a:objectDefaults/>
+  <a:extraClrSchemeLst/>
+  <a:extLst>
+    <a:ext uri="{05A4C25C-085E-4340-85A3-A5531E510DB2}">
+      <thm15:themeFamily xmlns:thm15="http://schemas.microsoft.com/office/thememl/2012/main" name="Office Theme" id="{62F939B6-93AF-4DB8-9C6B-D6C7DFDC589F}" vid="{4A3C46E8-61CC-4603-A589-7422A47A8E4A}"/>
+    </a:ext>
+  </a:extLst>
+</a:theme>
 </file>